--- a/ppt/4 串.pptx
+++ b/ppt/4 串.pptx
@@ -5,19 +5,22 @@
     <p:sldMasterId id="2147483648" r:id="rId1"/>
   </p:sldMasterIdLst>
   <p:notesMasterIdLst>
-    <p:notesMasterId r:id="rId12"/>
+    <p:notesMasterId r:id="rId15"/>
   </p:notesMasterIdLst>
   <p:sldIdLst>
     <p:sldId id="258" r:id="rId2"/>
     <p:sldId id="266" r:id="rId3"/>
-    <p:sldId id="259" r:id="rId4"/>
-    <p:sldId id="280" r:id="rId5"/>
-    <p:sldId id="285" r:id="rId6"/>
-    <p:sldId id="286" r:id="rId7"/>
-    <p:sldId id="283" r:id="rId8"/>
-    <p:sldId id="279" r:id="rId9"/>
-    <p:sldId id="288" r:id="rId10"/>
-    <p:sldId id="265" r:id="rId11"/>
+    <p:sldId id="290" r:id="rId4"/>
+    <p:sldId id="291" r:id="rId5"/>
+    <p:sldId id="259" r:id="rId6"/>
+    <p:sldId id="280" r:id="rId7"/>
+    <p:sldId id="293" r:id="rId8"/>
+    <p:sldId id="285" r:id="rId9"/>
+    <p:sldId id="286" r:id="rId10"/>
+    <p:sldId id="283" r:id="rId11"/>
+    <p:sldId id="279" r:id="rId12"/>
+    <p:sldId id="288" r:id="rId13"/>
+    <p:sldId id="265" r:id="rId14"/>
   </p:sldIdLst>
   <p:sldSz cx="12192000" cy="6858000"/>
   <p:notesSz cx="6858000" cy="9144000"/>
@@ -127,8 +130,11 @@
         <p14:section name="无标题节" id="{7F9DBBA9-7A2A-E140-81C6-6683700F6D2B}">
           <p14:sldIdLst>
             <p14:sldId id="266"/>
+            <p14:sldId id="290"/>
+            <p14:sldId id="291"/>
             <p14:sldId id="259"/>
             <p14:sldId id="280"/>
+            <p14:sldId id="293"/>
             <p14:sldId id="285"/>
             <p14:sldId id="286"/>
             <p14:sldId id="283"/>
@@ -228,7 +234,7 @@
           <a:p>
             <a:fld id="{66C3546E-20F6-7649-A9A4-4E4A245D3E82}" type="datetimeFigureOut">
               <a:rPr kumimoji="1" lang="zh-CN" altLang="en-US" smtClean="0"/>
-              <a:t>2019/12/6</a:t>
+              <a:t>2020/3/4</a:t>
             </a:fld>
             <a:endParaRPr kumimoji="1" lang="zh-CN" altLang="en-US"/>
           </a:p>
@@ -584,7 +590,7 @@
           <a:p>
             <a:fld id="{0F8E57A1-C481-6944-857F-EAC8E932B5ED}" type="slidenum">
               <a:rPr kumimoji="1" lang="zh-CN" altLang="en-US" smtClean="0"/>
-              <a:t>8</a:t>
+              <a:t>11</a:t>
             </a:fld>
             <a:endParaRPr kumimoji="1" lang="zh-CN" altLang="en-US"/>
           </a:p>
@@ -668,7 +674,7 @@
           <a:p>
             <a:fld id="{0F8E57A1-C481-6944-857F-EAC8E932B5ED}" type="slidenum">
               <a:rPr kumimoji="1" lang="zh-CN" altLang="en-US" smtClean="0"/>
-              <a:t>9</a:t>
+              <a:t>12</a:t>
             </a:fld>
             <a:endParaRPr kumimoji="1" lang="zh-CN" altLang="en-US"/>
           </a:p>
@@ -752,7 +758,7 @@
           <a:p>
             <a:fld id="{0F8E57A1-C481-6944-857F-EAC8E932B5ED}" type="slidenum">
               <a:rPr kumimoji="1" lang="zh-CN" altLang="en-US" smtClean="0"/>
-              <a:t>10</a:t>
+              <a:t>13</a:t>
             </a:fld>
             <a:endParaRPr kumimoji="1" lang="zh-CN" altLang="en-US"/>
           </a:p>
@@ -918,7 +924,7 @@
           <a:p>
             <a:fld id="{1C49BB65-7B3F-4D4E-A397-BBFD82890A5A}" type="datetimeFigureOut">
               <a:rPr kumimoji="1" lang="zh-CN" altLang="en-US" smtClean="0"/>
-              <a:t>2019/12/6</a:t>
+              <a:t>2020/3/4</a:t>
             </a:fld>
             <a:endParaRPr kumimoji="1" lang="zh-CN" altLang="en-US"/>
           </a:p>
@@ -1116,7 +1122,7 @@
           <a:p>
             <a:fld id="{1C49BB65-7B3F-4D4E-A397-BBFD82890A5A}" type="datetimeFigureOut">
               <a:rPr kumimoji="1" lang="zh-CN" altLang="en-US" smtClean="0"/>
-              <a:t>2019/12/6</a:t>
+              <a:t>2020/3/4</a:t>
             </a:fld>
             <a:endParaRPr kumimoji="1" lang="zh-CN" altLang="en-US"/>
           </a:p>
@@ -1324,7 +1330,7 @@
           <a:p>
             <a:fld id="{1C49BB65-7B3F-4D4E-A397-BBFD82890A5A}" type="datetimeFigureOut">
               <a:rPr kumimoji="1" lang="zh-CN" altLang="en-US" smtClean="0"/>
-              <a:t>2019/12/6</a:t>
+              <a:t>2020/3/4</a:t>
             </a:fld>
             <a:endParaRPr kumimoji="1" lang="zh-CN" altLang="en-US"/>
           </a:p>
@@ -1522,7 +1528,7 @@
           <a:p>
             <a:fld id="{1C49BB65-7B3F-4D4E-A397-BBFD82890A5A}" type="datetimeFigureOut">
               <a:rPr kumimoji="1" lang="zh-CN" altLang="en-US" smtClean="0"/>
-              <a:t>2019/12/6</a:t>
+              <a:t>2020/3/4</a:t>
             </a:fld>
             <a:endParaRPr kumimoji="1" lang="zh-CN" altLang="en-US"/>
           </a:p>
@@ -1797,7 +1803,7 @@
           <a:p>
             <a:fld id="{1C49BB65-7B3F-4D4E-A397-BBFD82890A5A}" type="datetimeFigureOut">
               <a:rPr kumimoji="1" lang="zh-CN" altLang="en-US" smtClean="0"/>
-              <a:t>2019/12/6</a:t>
+              <a:t>2020/3/4</a:t>
             </a:fld>
             <a:endParaRPr kumimoji="1" lang="zh-CN" altLang="en-US"/>
           </a:p>
@@ -2062,7 +2068,7 @@
           <a:p>
             <a:fld id="{1C49BB65-7B3F-4D4E-A397-BBFD82890A5A}" type="datetimeFigureOut">
               <a:rPr kumimoji="1" lang="zh-CN" altLang="en-US" smtClean="0"/>
-              <a:t>2019/12/6</a:t>
+              <a:t>2020/3/4</a:t>
             </a:fld>
             <a:endParaRPr kumimoji="1" lang="zh-CN" altLang="en-US"/>
           </a:p>
@@ -2474,7 +2480,7 @@
           <a:p>
             <a:fld id="{1C49BB65-7B3F-4D4E-A397-BBFD82890A5A}" type="datetimeFigureOut">
               <a:rPr kumimoji="1" lang="zh-CN" altLang="en-US" smtClean="0"/>
-              <a:t>2019/12/6</a:t>
+              <a:t>2020/3/4</a:t>
             </a:fld>
             <a:endParaRPr kumimoji="1" lang="zh-CN" altLang="en-US"/>
           </a:p>
@@ -2615,7 +2621,7 @@
           <a:p>
             <a:fld id="{1C49BB65-7B3F-4D4E-A397-BBFD82890A5A}" type="datetimeFigureOut">
               <a:rPr kumimoji="1" lang="zh-CN" altLang="en-US" smtClean="0"/>
-              <a:t>2019/12/6</a:t>
+              <a:t>2020/3/4</a:t>
             </a:fld>
             <a:endParaRPr kumimoji="1" lang="zh-CN" altLang="en-US"/>
           </a:p>
@@ -2985,7 +2991,7 @@
           <a:p>
             <a:fld id="{1C49BB65-7B3F-4D4E-A397-BBFD82890A5A}" type="datetimeFigureOut">
               <a:rPr kumimoji="1" lang="zh-CN" altLang="en-US" smtClean="0"/>
-              <a:t>2019/12/6</a:t>
+              <a:t>2020/3/4</a:t>
             </a:fld>
             <a:endParaRPr kumimoji="1" lang="zh-CN" altLang="en-US"/>
           </a:p>
@@ -3273,7 +3279,7 @@
           <a:p>
             <a:fld id="{1C49BB65-7B3F-4D4E-A397-BBFD82890A5A}" type="datetimeFigureOut">
               <a:rPr kumimoji="1" lang="zh-CN" altLang="en-US" smtClean="0"/>
-              <a:t>2019/12/6</a:t>
+              <a:t>2020/3/4</a:t>
             </a:fld>
             <a:endParaRPr kumimoji="1" lang="zh-CN" altLang="en-US"/>
           </a:p>
@@ -3514,7 +3520,7 @@
           <a:p>
             <a:fld id="{1C49BB65-7B3F-4D4E-A397-BBFD82890A5A}" type="datetimeFigureOut">
               <a:rPr kumimoji="1" lang="zh-CN" altLang="en-US" smtClean="0"/>
-              <a:t>2019/12/6</a:t>
+              <a:t>2020/3/4</a:t>
             </a:fld>
             <a:endParaRPr kumimoji="1" lang="zh-CN" altLang="en-US"/>
           </a:p>
@@ -4074,7 +4080,7 @@
                 <a:latin typeface="Microsoft YaHei" panose="020B0503020204020204" pitchFamily="34" charset="-122"/>
                 <a:ea typeface="Microsoft YaHei" panose="020B0503020204020204" pitchFamily="34" charset="-122"/>
               </a:rPr>
-              <a:t>第四节课 串</a:t>
+              <a:t>第六节课 串</a:t>
             </a:r>
           </a:p>
         </p:txBody>
@@ -4093,6 +4099,335 @@
 </file>
 
 <file path=ppt/slides/slide10.xml><?xml version="1.0" encoding="utf-8"?>
+<p:sld xmlns:a="http://schemas.openxmlformats.org/drawingml/2006/main" xmlns:r="http://schemas.openxmlformats.org/officeDocument/2006/relationships" xmlns:p="http://schemas.openxmlformats.org/presentationml/2006/main">
+  <p:cSld>
+    <p:bg>
+      <p:bgPr>
+        <a:blipFill>
+          <a:blip r:embed="rId2"/>
+          <a:tile tx="0" ty="0" sx="100000" sy="100000" flip="none" algn="tl"/>
+        </a:blipFill>
+        <a:effectLst/>
+      </p:bgPr>
+    </p:bg>
+    <p:spTree>
+      <p:nvGrpSpPr>
+        <p:cNvPr id="1" name=""/>
+        <p:cNvGrpSpPr/>
+        <p:nvPr/>
+      </p:nvGrpSpPr>
+      <p:grpSpPr>
+        <a:xfrm>
+          <a:off x="0" y="0"/>
+          <a:ext cx="0" cy="0"/>
+          <a:chOff x="0" y="0"/>
+          <a:chExt cx="0" cy="0"/>
+        </a:xfrm>
+      </p:grpSpPr>
+      <p:sp>
+        <p:nvSpPr>
+          <p:cNvPr id="3" name="文本框 2">
+            <a:extLst>
+              <a:ext uri="{FF2B5EF4-FFF2-40B4-BE49-F238E27FC236}">
+                <a16:creationId xmlns:a16="http://schemas.microsoft.com/office/drawing/2014/main" id="{62BFC649-BF8E-2841-8EAF-47AFBF9D6671}"/>
+              </a:ext>
+            </a:extLst>
+          </p:cNvPr>
+          <p:cNvSpPr txBox="1"/>
+          <p:nvPr/>
+        </p:nvSpPr>
+        <p:spPr>
+          <a:xfrm>
+            <a:off x="2054352" y="718220"/>
+            <a:ext cx="8083296" cy="830997"/>
+          </a:xfrm>
+          <a:prstGeom prst="rect">
+            <a:avLst/>
+          </a:prstGeom>
+          <a:noFill/>
+        </p:spPr>
+        <p:txBody>
+          <a:bodyPr wrap="square" rtlCol="0">
+            <a:spAutoFit/>
+          </a:bodyPr>
+          <a:lstStyle/>
+          <a:p>
+            <a:pPr algn="ctr"/>
+            <a:r>
+              <a:rPr kumimoji="1" lang="en-US" altLang="zh-CN" sz="4800" dirty="0">
+                <a:latin typeface="Microsoft YaHei" panose="020B0503020204020204" pitchFamily="34" charset="-122"/>
+                <a:ea typeface="Microsoft YaHei" panose="020B0503020204020204" pitchFamily="34" charset="-122"/>
+              </a:rPr>
+              <a:t>5.KMP</a:t>
+            </a:r>
+            <a:r>
+              <a:rPr kumimoji="1" lang="zh-CN" altLang="en-US" sz="4800" dirty="0">
+                <a:latin typeface="Microsoft YaHei" panose="020B0503020204020204" pitchFamily="34" charset="-122"/>
+                <a:ea typeface="Microsoft YaHei" panose="020B0503020204020204" pitchFamily="34" charset="-122"/>
+              </a:rPr>
+              <a:t>模式匹配算法</a:t>
+            </a:r>
+          </a:p>
+        </p:txBody>
+      </p:sp>
+      <p:sp>
+        <p:nvSpPr>
+          <p:cNvPr id="2" name="文本框 1">
+            <a:extLst>
+              <a:ext uri="{FF2B5EF4-FFF2-40B4-BE49-F238E27FC236}">
+                <a16:creationId xmlns:a16="http://schemas.microsoft.com/office/drawing/2014/main" id="{2348A353-F74A-F749-85B3-0743B6EAB0EF}"/>
+              </a:ext>
+            </a:extLst>
+          </p:cNvPr>
+          <p:cNvSpPr txBox="1"/>
+          <p:nvPr/>
+        </p:nvSpPr>
+        <p:spPr>
+          <a:xfrm>
+            <a:off x="2466753" y="2445488"/>
+            <a:ext cx="6039294" cy="523220"/>
+          </a:xfrm>
+          <a:prstGeom prst="rect">
+            <a:avLst/>
+          </a:prstGeom>
+          <a:noFill/>
+        </p:spPr>
+        <p:txBody>
+          <a:bodyPr wrap="square" rtlCol="0">
+            <a:spAutoFit/>
+          </a:bodyPr>
+          <a:lstStyle/>
+          <a:p>
+            <a:r>
+              <a:rPr kumimoji="1" lang="zh-CN" altLang="en-US" sz="2800" dirty="0"/>
+              <a:t>基于单链表的基础，增加循环的功能</a:t>
+            </a:r>
+          </a:p>
+        </p:txBody>
+      </p:sp>
+    </p:spTree>
+    <p:extLst>
+      <p:ext uri="{BB962C8B-B14F-4D97-AF65-F5344CB8AC3E}">
+        <p14:creationId xmlns:p14="http://schemas.microsoft.com/office/powerpoint/2010/main" val="1742615019"/>
+      </p:ext>
+    </p:extLst>
+  </p:cSld>
+  <p:clrMapOvr>
+    <a:masterClrMapping/>
+  </p:clrMapOvr>
+</p:sld>
+</file>
+
+<file path=ppt/slides/slide11.xml><?xml version="1.0" encoding="utf-8"?>
+<p:sld xmlns:a="http://schemas.openxmlformats.org/drawingml/2006/main" xmlns:r="http://schemas.openxmlformats.org/officeDocument/2006/relationships" xmlns:p="http://schemas.openxmlformats.org/presentationml/2006/main">
+  <p:cSld>
+    <p:bg>
+      <p:bgPr>
+        <a:blipFill>
+          <a:blip r:embed="rId3"/>
+          <a:tile tx="0" ty="0" sx="100000" sy="100000" flip="none" algn="tl"/>
+        </a:blipFill>
+        <a:effectLst/>
+      </p:bgPr>
+    </p:bg>
+    <p:spTree>
+      <p:nvGrpSpPr>
+        <p:cNvPr id="1" name=""/>
+        <p:cNvGrpSpPr/>
+        <p:nvPr/>
+      </p:nvGrpSpPr>
+      <p:grpSpPr>
+        <a:xfrm>
+          <a:off x="0" y="0"/>
+          <a:ext cx="0" cy="0"/>
+          <a:chOff x="0" y="0"/>
+          <a:chExt cx="0" cy="0"/>
+        </a:xfrm>
+      </p:grpSpPr>
+      <p:sp>
+        <p:nvSpPr>
+          <p:cNvPr id="2" name="文本框 1">
+            <a:extLst>
+              <a:ext uri="{FF2B5EF4-FFF2-40B4-BE49-F238E27FC236}">
+                <a16:creationId xmlns:a16="http://schemas.microsoft.com/office/drawing/2014/main" id="{12AA8BCC-7B15-4842-80C2-48C079429338}"/>
+              </a:ext>
+            </a:extLst>
+          </p:cNvPr>
+          <p:cNvSpPr txBox="1"/>
+          <p:nvPr/>
+        </p:nvSpPr>
+        <p:spPr>
+          <a:xfrm>
+            <a:off x="2228088" y="2921168"/>
+            <a:ext cx="7735824" cy="1015663"/>
+          </a:xfrm>
+          <a:prstGeom prst="rect">
+            <a:avLst/>
+          </a:prstGeom>
+          <a:noFill/>
+        </p:spPr>
+        <p:txBody>
+          <a:bodyPr wrap="square" rtlCol="0">
+            <a:spAutoFit/>
+          </a:bodyPr>
+          <a:lstStyle/>
+          <a:p>
+            <a:pPr algn="ctr"/>
+            <a:r>
+              <a:rPr kumimoji="1" lang="zh-CN" altLang="en-US" sz="6000" dirty="0">
+                <a:latin typeface="Microsoft YaHei" panose="020B0503020204020204" pitchFamily="34" charset="-122"/>
+                <a:ea typeface="Microsoft YaHei" panose="020B0503020204020204" pitchFamily="34" charset="-122"/>
+              </a:rPr>
+              <a:t>这堂课我们学了撒？</a:t>
+            </a:r>
+          </a:p>
+        </p:txBody>
+      </p:sp>
+    </p:spTree>
+    <p:extLst>
+      <p:ext uri="{BB962C8B-B14F-4D97-AF65-F5344CB8AC3E}">
+        <p14:creationId xmlns:p14="http://schemas.microsoft.com/office/powerpoint/2010/main" val="3338372476"/>
+      </p:ext>
+    </p:extLst>
+  </p:cSld>
+  <p:clrMapOvr>
+    <a:masterClrMapping/>
+  </p:clrMapOvr>
+</p:sld>
+</file>
+
+<file path=ppt/slides/slide12.xml><?xml version="1.0" encoding="utf-8"?>
+<p:sld xmlns:a="http://schemas.openxmlformats.org/drawingml/2006/main" xmlns:r="http://schemas.openxmlformats.org/officeDocument/2006/relationships" xmlns:p="http://schemas.openxmlformats.org/presentationml/2006/main">
+  <p:cSld>
+    <p:bg>
+      <p:bgPr>
+        <a:blipFill>
+          <a:blip r:embed="rId3"/>
+          <a:tile tx="0" ty="0" sx="100000" sy="100000" flip="none" algn="tl"/>
+        </a:blipFill>
+        <a:effectLst/>
+      </p:bgPr>
+    </p:bg>
+    <p:spTree>
+      <p:nvGrpSpPr>
+        <p:cNvPr id="1" name=""/>
+        <p:cNvGrpSpPr/>
+        <p:nvPr/>
+      </p:nvGrpSpPr>
+      <p:grpSpPr>
+        <a:xfrm>
+          <a:off x="0" y="0"/>
+          <a:ext cx="0" cy="0"/>
+          <a:chOff x="0" y="0"/>
+          <a:chExt cx="0" cy="0"/>
+        </a:xfrm>
+      </p:grpSpPr>
+      <p:sp>
+        <p:nvSpPr>
+          <p:cNvPr id="3" name="文本框 2">
+            <a:extLst>
+              <a:ext uri="{FF2B5EF4-FFF2-40B4-BE49-F238E27FC236}">
+                <a16:creationId xmlns:a16="http://schemas.microsoft.com/office/drawing/2014/main" id="{62BFC649-BF8E-2841-8EAF-47AFBF9D6671}"/>
+              </a:ext>
+            </a:extLst>
+          </p:cNvPr>
+          <p:cNvSpPr txBox="1"/>
+          <p:nvPr/>
+        </p:nvSpPr>
+        <p:spPr>
+          <a:xfrm>
+            <a:off x="914400" y="581161"/>
+            <a:ext cx="10363200" cy="830997"/>
+          </a:xfrm>
+          <a:prstGeom prst="rect">
+            <a:avLst/>
+          </a:prstGeom>
+          <a:noFill/>
+        </p:spPr>
+        <p:txBody>
+          <a:bodyPr wrap="square" rtlCol="0">
+            <a:spAutoFit/>
+          </a:bodyPr>
+          <a:lstStyle/>
+          <a:p>
+            <a:pPr algn="ctr"/>
+            <a:r>
+              <a:rPr kumimoji="1" lang="zh-CN" altLang="en-US" sz="4800" dirty="0">
+                <a:latin typeface="Microsoft YaHei" panose="020B0503020204020204" pitchFamily="34" charset="-122"/>
+                <a:ea typeface="Microsoft YaHei" panose="020B0503020204020204" pitchFamily="34" charset="-122"/>
+              </a:rPr>
+              <a:t>总结</a:t>
+            </a:r>
+            <a:endParaRPr kumimoji="1" lang="en-US" altLang="zh-CN" sz="4800" dirty="0">
+              <a:latin typeface="Microsoft YaHei" panose="020B0503020204020204" pitchFamily="34" charset="-122"/>
+              <a:ea typeface="Microsoft YaHei" panose="020B0503020204020204" pitchFamily="34" charset="-122"/>
+            </a:endParaRPr>
+          </a:p>
+        </p:txBody>
+      </p:sp>
+      <p:sp>
+        <p:nvSpPr>
+          <p:cNvPr id="5" name="文本框 4">
+            <a:extLst>
+              <a:ext uri="{FF2B5EF4-FFF2-40B4-BE49-F238E27FC236}">
+                <a16:creationId xmlns:a16="http://schemas.microsoft.com/office/drawing/2014/main" id="{70A8FD9E-655D-F742-ACDB-18BF84BE05B3}"/>
+              </a:ext>
+            </a:extLst>
+          </p:cNvPr>
+          <p:cNvSpPr txBox="1"/>
+          <p:nvPr/>
+        </p:nvSpPr>
+        <p:spPr>
+          <a:xfrm>
+            <a:off x="765810" y="2785730"/>
+            <a:ext cx="9037409" cy="523220"/>
+          </a:xfrm>
+          <a:prstGeom prst="rect">
+            <a:avLst/>
+          </a:prstGeom>
+          <a:noFill/>
+        </p:spPr>
+        <p:txBody>
+          <a:bodyPr wrap="square" rtlCol="0">
+            <a:spAutoFit/>
+          </a:bodyPr>
+          <a:lstStyle/>
+          <a:p>
+            <a:r>
+              <a:rPr kumimoji="1" lang="zh-CN" altLang="en-US" sz="2800" dirty="0">
+                <a:latin typeface="Microsoft YaHei" panose="020B0503020204020204" pitchFamily="34" charset="-122"/>
+                <a:ea typeface="Microsoft YaHei" panose="020B0503020204020204" pitchFamily="34" charset="-122"/>
+              </a:rPr>
+              <a:t>重点： 两种存储方式 以及它们对应的</a:t>
+            </a:r>
+            <a:r>
+              <a:rPr kumimoji="1" lang="en-US" altLang="zh-CN" sz="2800" dirty="0">
+                <a:latin typeface="Microsoft YaHei" panose="020B0503020204020204" pitchFamily="34" charset="-122"/>
+                <a:ea typeface="Microsoft YaHei" panose="020B0503020204020204" pitchFamily="34" charset="-122"/>
+              </a:rPr>
+              <a:t>crud</a:t>
+            </a:r>
+            <a:endParaRPr kumimoji="1" lang="zh-CN" altLang="en-US" sz="2800" dirty="0">
+              <a:latin typeface="Microsoft YaHei" panose="020B0503020204020204" pitchFamily="34" charset="-122"/>
+              <a:ea typeface="Microsoft YaHei" panose="020B0503020204020204" pitchFamily="34" charset="-122"/>
+            </a:endParaRPr>
+          </a:p>
+        </p:txBody>
+      </p:sp>
+    </p:spTree>
+    <p:extLst>
+      <p:ext uri="{BB962C8B-B14F-4D97-AF65-F5344CB8AC3E}">
+        <p14:creationId xmlns:p14="http://schemas.microsoft.com/office/powerpoint/2010/main" val="4062917305"/>
+      </p:ext>
+    </p:extLst>
+  </p:cSld>
+  <p:clrMapOvr>
+    <a:masterClrMapping/>
+  </p:clrMapOvr>
+</p:sld>
+</file>
+
+<file path=ppt/slides/slide13.xml><?xml version="1.0" encoding="utf-8"?>
 <p:sld xmlns:a="http://schemas.openxmlformats.org/drawingml/2006/main" xmlns:r="http://schemas.openxmlformats.org/officeDocument/2006/relationships" xmlns:p="http://schemas.openxmlformats.org/presentationml/2006/main">
   <p:cSld>
     <p:bg>
@@ -4442,184 +4777,117 @@
                 <a:latin typeface="Microsoft YaHei" panose="020B0503020204020204" pitchFamily="34" charset="-122"/>
                 <a:ea typeface="Microsoft YaHei" panose="020B0503020204020204" pitchFamily="34" charset="-122"/>
               </a:rPr>
-              <a:t>1.</a:t>
+              <a:t>《</a:t>
             </a:r>
             <a:r>
               <a:rPr kumimoji="1" lang="zh-CN" altLang="en-US" sz="4800" dirty="0">
                 <a:latin typeface="Microsoft YaHei" panose="020B0503020204020204" pitchFamily="34" charset="-122"/>
                 <a:ea typeface="Microsoft YaHei" panose="020B0503020204020204" pitchFamily="34" charset="-122"/>
               </a:rPr>
-              <a:t>什么是串</a:t>
-            </a:r>
-          </a:p>
-        </p:txBody>
-      </p:sp>
-      <p:sp>
-        <p:nvSpPr>
-          <p:cNvPr id="8" name="文本框 7">
-            <a:extLst>
-              <a:ext uri="{FF2B5EF4-FFF2-40B4-BE49-F238E27FC236}">
-                <a16:creationId xmlns:a16="http://schemas.microsoft.com/office/drawing/2014/main" id="{75D7D6ED-43A8-DC4B-84B6-AB03F6270117}"/>
-              </a:ext>
-            </a:extLst>
-          </p:cNvPr>
-          <p:cNvSpPr txBox="1"/>
+              <a:t>两相思</a:t>
+            </a:r>
+            <a:r>
+              <a:rPr kumimoji="1" lang="en-US" altLang="zh-CN" sz="4800" dirty="0">
+                <a:latin typeface="Microsoft YaHei" panose="020B0503020204020204" pitchFamily="34" charset="-122"/>
+                <a:ea typeface="Microsoft YaHei" panose="020B0503020204020204" pitchFamily="34" charset="-122"/>
+              </a:rPr>
+              <a:t>》(</a:t>
+            </a:r>
+            <a:r>
+              <a:rPr kumimoji="1" lang="zh-CN" altLang="en-US" sz="4800" dirty="0">
+                <a:latin typeface="Microsoft YaHei" panose="020B0503020204020204" pitchFamily="34" charset="-122"/>
+                <a:ea typeface="Microsoft YaHei" panose="020B0503020204020204" pitchFamily="34" charset="-122"/>
+              </a:rPr>
+              <a:t>宋</a:t>
+            </a:r>
+            <a:r>
+              <a:rPr kumimoji="1" lang="en-US" altLang="zh-CN" sz="4800" dirty="0">
+                <a:latin typeface="Microsoft YaHei" panose="020B0503020204020204" pitchFamily="34" charset="-122"/>
+                <a:ea typeface="Microsoft YaHei" panose="020B0503020204020204" pitchFamily="34" charset="-122"/>
+              </a:rPr>
+              <a:t>•</a:t>
+            </a:r>
+            <a:r>
+              <a:rPr kumimoji="1" lang="zh-CN" altLang="en-US" sz="4800" dirty="0">
+                <a:latin typeface="Microsoft YaHei" panose="020B0503020204020204" pitchFamily="34" charset="-122"/>
+                <a:ea typeface="Microsoft YaHei" panose="020B0503020204020204" pitchFamily="34" charset="-122"/>
+              </a:rPr>
+              <a:t>李寓</a:t>
+            </a:r>
+            <a:r>
+              <a:rPr kumimoji="1" lang="en-US" altLang="zh-CN" sz="4800" dirty="0">
+                <a:latin typeface="Microsoft YaHei" panose="020B0503020204020204" pitchFamily="34" charset="-122"/>
+                <a:ea typeface="Microsoft YaHei" panose="020B0503020204020204" pitchFamily="34" charset="-122"/>
+              </a:rPr>
+              <a:t>)</a:t>
+            </a:r>
+          </a:p>
+        </p:txBody>
+      </p:sp>
+      <p:pic>
+        <p:nvPicPr>
+          <p:cNvPr id="5" name="图片 4">
+            <a:extLst>
+              <a:ext uri="{FF2B5EF4-FFF2-40B4-BE49-F238E27FC236}">
+                <a16:creationId xmlns:a16="http://schemas.microsoft.com/office/drawing/2014/main" id="{E63C086C-DE89-7847-8831-08ED69FE0013}"/>
+              </a:ext>
+            </a:extLst>
+          </p:cNvPr>
+          <p:cNvPicPr>
+            <a:picLocks noChangeAspect="1"/>
+          </p:cNvPicPr>
           <p:nvPr/>
-        </p:nvSpPr>
+        </p:nvPicPr>
+        <p:blipFill>
+          <a:blip r:embed="rId3"/>
+          <a:stretch>
+            <a:fillRect/>
+          </a:stretch>
+        </p:blipFill>
         <p:spPr>
           <a:xfrm>
-            <a:off x="1610042" y="2601758"/>
-            <a:ext cx="6609588" cy="523220"/>
+            <a:off x="974435" y="2418403"/>
+            <a:ext cx="4851401" cy="3687720"/>
           </a:xfrm>
           <a:prstGeom prst="rect">
             <a:avLst/>
           </a:prstGeom>
-          <a:noFill/>
         </p:spPr>
-        <p:txBody>
-          <a:bodyPr wrap="square" rtlCol="0">
-            <a:spAutoFit/>
-          </a:bodyPr>
-          <a:lstStyle/>
-          <a:p>
-            <a:r>
-              <a:rPr kumimoji="1" lang="zh-CN" altLang="en-US" sz="2800" dirty="0">
-                <a:latin typeface="微软雅黑" panose="020B0503020204020204" pitchFamily="34" charset="-122"/>
-                <a:ea typeface="Microsoft YaHei" panose="020B0503020204020204" pitchFamily="34" charset="-122"/>
-              </a:rPr>
-              <a:t>零个或者多个元素的有限序列</a:t>
-            </a:r>
-          </a:p>
-        </p:txBody>
-      </p:sp>
-      <p:sp>
-        <p:nvSpPr>
-          <p:cNvPr id="6" name="文本框 5">
-            <a:extLst>
-              <a:ext uri="{FF2B5EF4-FFF2-40B4-BE49-F238E27FC236}">
-                <a16:creationId xmlns:a16="http://schemas.microsoft.com/office/drawing/2014/main" id="{9EFC4C1D-ECA4-5B4B-A241-92DFA4F89344}"/>
-              </a:ext>
-            </a:extLst>
-          </p:cNvPr>
-          <p:cNvSpPr txBox="1"/>
+      </p:pic>
+      <p:pic>
+        <p:nvPicPr>
+          <p:cNvPr id="7" name="图片 6">
+            <a:extLst>
+              <a:ext uri="{FF2B5EF4-FFF2-40B4-BE49-F238E27FC236}">
+                <a16:creationId xmlns:a16="http://schemas.microsoft.com/office/drawing/2014/main" id="{13C9AAFE-9669-5D40-B53A-016E5367F8B2}"/>
+              </a:ext>
+            </a:extLst>
+          </p:cNvPr>
+          <p:cNvPicPr>
+            <a:picLocks noChangeAspect="1"/>
+          </p:cNvPicPr>
           <p:nvPr/>
-        </p:nvSpPr>
+        </p:nvPicPr>
+        <p:blipFill>
+          <a:blip r:embed="rId4"/>
+          <a:stretch>
+            <a:fillRect/>
+          </a:stretch>
+        </p:blipFill>
         <p:spPr>
           <a:xfrm>
-            <a:off x="540000" y="1800000"/>
-            <a:ext cx="1070042" cy="542675"/>
+            <a:off x="7086599" y="2418403"/>
+            <a:ext cx="4444588" cy="3687720"/>
           </a:xfrm>
           <a:prstGeom prst="rect">
             <a:avLst/>
           </a:prstGeom>
-          <a:solidFill>
-            <a:schemeClr val="accent2"/>
-          </a:solidFill>
         </p:spPr>
-        <p:txBody>
-          <a:bodyPr wrap="square" rtlCol="0">
-            <a:spAutoFit/>
-          </a:bodyPr>
-          <a:lstStyle/>
-          <a:p>
-            <a:r>
-              <a:rPr kumimoji="1" lang="zh-CN" altLang="en-US" sz="2800" dirty="0">
-                <a:solidFill>
-                  <a:schemeClr val="bg1"/>
-                </a:solidFill>
-                <a:latin typeface="Microsoft YaHei" panose="020B0503020204020204" pitchFamily="34" charset="-122"/>
-                <a:ea typeface="Microsoft YaHei" panose="020B0503020204020204" pitchFamily="34" charset="-122"/>
-              </a:rPr>
-              <a:t>定义</a:t>
-            </a:r>
-          </a:p>
-        </p:txBody>
-      </p:sp>
-      <p:sp>
-        <p:nvSpPr>
-          <p:cNvPr id="7" name="文本框 6">
-            <a:extLst>
-              <a:ext uri="{FF2B5EF4-FFF2-40B4-BE49-F238E27FC236}">
-                <a16:creationId xmlns:a16="http://schemas.microsoft.com/office/drawing/2014/main" id="{E3DBEB63-A536-3344-AA3A-239CDFC4361D}"/>
-              </a:ext>
-            </a:extLst>
-          </p:cNvPr>
-          <p:cNvSpPr txBox="1"/>
-          <p:nvPr/>
-        </p:nvSpPr>
-        <p:spPr>
-          <a:xfrm>
-            <a:off x="540000" y="3960000"/>
-            <a:ext cx="1070042" cy="542675"/>
-          </a:xfrm>
-          <a:prstGeom prst="rect">
-            <a:avLst/>
-          </a:prstGeom>
-          <a:solidFill>
-            <a:schemeClr val="accent2"/>
-          </a:solidFill>
-        </p:spPr>
-        <p:txBody>
-          <a:bodyPr wrap="square" rtlCol="0">
-            <a:spAutoFit/>
-          </a:bodyPr>
-          <a:lstStyle/>
-          <a:p>
-            <a:r>
-              <a:rPr kumimoji="1" lang="zh-CN" altLang="en-US" sz="2800" dirty="0">
-                <a:solidFill>
-                  <a:schemeClr val="bg1"/>
-                </a:solidFill>
-                <a:latin typeface="Microsoft YaHei" panose="020B0503020204020204" pitchFamily="34" charset="-122"/>
-                <a:ea typeface="Microsoft YaHei" panose="020B0503020204020204" pitchFamily="34" charset="-122"/>
-              </a:rPr>
-              <a:t>例子</a:t>
-            </a:r>
-          </a:p>
-        </p:txBody>
-      </p:sp>
-      <p:sp>
-        <p:nvSpPr>
-          <p:cNvPr id="9" name="文本框 8">
-            <a:extLst>
-              <a:ext uri="{FF2B5EF4-FFF2-40B4-BE49-F238E27FC236}">
-                <a16:creationId xmlns:a16="http://schemas.microsoft.com/office/drawing/2014/main" id="{EA0C047A-A5B2-374F-BD04-7B639430470F}"/>
-              </a:ext>
-            </a:extLst>
-          </p:cNvPr>
-          <p:cNvSpPr txBox="1"/>
-          <p:nvPr/>
-        </p:nvSpPr>
-        <p:spPr>
-          <a:xfrm>
-            <a:off x="1610042" y="5337697"/>
-            <a:ext cx="6609588" cy="523220"/>
-          </a:xfrm>
-          <a:prstGeom prst="rect">
-            <a:avLst/>
-          </a:prstGeom>
-          <a:noFill/>
-        </p:spPr>
-        <p:txBody>
-          <a:bodyPr wrap="square" rtlCol="0">
-            <a:spAutoFit/>
-          </a:bodyPr>
-          <a:lstStyle/>
-          <a:p>
-            <a:r>
-              <a:rPr kumimoji="1" lang="zh-CN" altLang="en-US" sz="2800" dirty="0">
-                <a:latin typeface="微软雅黑" panose="020B0503020204020204" pitchFamily="34" charset="-122"/>
-                <a:ea typeface="Microsoft YaHei" panose="020B0503020204020204" pitchFamily="34" charset="-122"/>
-              </a:rPr>
-              <a:t>排队</a:t>
-            </a:r>
-          </a:p>
-        </p:txBody>
-      </p:sp>
+      </p:pic>
     </p:spTree>
     <p:extLst>
       <p:ext uri="{BB962C8B-B14F-4D97-AF65-F5344CB8AC3E}">
-        <p14:creationId xmlns:p14="http://schemas.microsoft.com/office/powerpoint/2010/main" val="935474760"/>
+        <p14:creationId xmlns:p14="http://schemas.microsoft.com/office/powerpoint/2010/main" val="3262279087"/>
       </p:ext>
     </p:extLst>
   </p:cSld>
@@ -4669,7 +4937,7 @@
         </p:nvSpPr>
         <p:spPr>
           <a:xfrm>
-            <a:off x="2054352" y="630545"/>
+            <a:off x="2054352" y="751877"/>
             <a:ext cx="8083296" cy="830997"/>
           </a:xfrm>
           <a:prstGeom prst="rect">
@@ -4685,28 +4953,25 @@
           <a:p>
             <a:pPr algn="ctr"/>
             <a:r>
-              <a:rPr kumimoji="1" lang="en-US" altLang="zh-CN" sz="4800" dirty="0">
-                <a:latin typeface="Microsoft YaHei" panose="020B0503020204020204" pitchFamily="34" charset="-122"/>
-                <a:ea typeface="Microsoft YaHei" panose="020B0503020204020204" pitchFamily="34" charset="-122"/>
-              </a:rPr>
-              <a:t>2.</a:t>
-            </a:r>
-            <a:r>
               <a:rPr kumimoji="1" lang="zh-CN" altLang="en-US" sz="4800" dirty="0">
                 <a:latin typeface="Microsoft YaHei" panose="020B0503020204020204" pitchFamily="34" charset="-122"/>
                 <a:ea typeface="Microsoft YaHei" panose="020B0503020204020204" pitchFamily="34" charset="-122"/>
               </a:rPr>
-              <a:t>串的抽象数据类型</a:t>
-            </a:r>
-          </a:p>
-        </p:txBody>
-      </p:sp>
-      <p:sp>
-        <p:nvSpPr>
-          <p:cNvPr id="8" name="文本框 7">
-            <a:extLst>
-              <a:ext uri="{FF2B5EF4-FFF2-40B4-BE49-F238E27FC236}">
-                <a16:creationId xmlns:a16="http://schemas.microsoft.com/office/drawing/2014/main" id="{75D7D6ED-43A8-DC4B-84B6-AB03F6270117}"/>
+              <a:t>回文</a:t>
+            </a:r>
+            <a:endParaRPr kumimoji="1" lang="en-US" altLang="zh-CN" sz="4800" dirty="0">
+              <a:latin typeface="Microsoft YaHei" panose="020B0503020204020204" pitchFamily="34" charset="-122"/>
+              <a:ea typeface="Microsoft YaHei" panose="020B0503020204020204" pitchFamily="34" charset="-122"/>
+            </a:endParaRPr>
+          </a:p>
+        </p:txBody>
+      </p:sp>
+      <p:sp>
+        <p:nvSpPr>
+          <p:cNvPr id="2" name="文本框 1">
+            <a:extLst>
+              <a:ext uri="{FF2B5EF4-FFF2-40B4-BE49-F238E27FC236}">
+                <a16:creationId xmlns:a16="http://schemas.microsoft.com/office/drawing/2014/main" id="{F1CBEEA3-88B7-9541-B241-87E0E3D36394}"/>
               </a:ext>
             </a:extLst>
           </p:cNvPr>
@@ -4715,8 +4980,8 @@
         </p:nvSpPr>
         <p:spPr>
           <a:xfrm>
-            <a:off x="1610042" y="2575710"/>
-            <a:ext cx="6609588" cy="954107"/>
+            <a:off x="2618509" y="3167390"/>
+            <a:ext cx="6234545" cy="954107"/>
           </a:xfrm>
           <a:prstGeom prst="rect">
             <a:avLst/>
@@ -4734,161 +4999,28 @@
                 <a:latin typeface="Microsoft YaHei" panose="020B0503020204020204" pitchFamily="34" charset="-122"/>
                 <a:ea typeface="Microsoft YaHei" panose="020B0503020204020204" pitchFamily="34" charset="-122"/>
               </a:rPr>
-              <a:t>用一段地址连续的存储单元依次存储线性表的数据元素</a:t>
-            </a:r>
-            <a:endParaRPr kumimoji="1" lang="zh-CN" altLang="en-US" sz="2800" dirty="0">
-              <a:latin typeface="微软雅黑" panose="020B0503020204020204" pitchFamily="34" charset="-122"/>
+              <a:t>正读，反读都是一样的字符串叫做回文</a:t>
+            </a:r>
+            <a:endParaRPr kumimoji="1" lang="en-US" altLang="zh-CN" sz="2800" dirty="0">
+              <a:latin typeface="Microsoft YaHei" panose="020B0503020204020204" pitchFamily="34" charset="-122"/>
               <a:ea typeface="Microsoft YaHei" panose="020B0503020204020204" pitchFamily="34" charset="-122"/>
             </a:endParaRPr>
           </a:p>
-        </p:txBody>
-      </p:sp>
-      <p:sp>
-        <p:nvSpPr>
-          <p:cNvPr id="9" name="文本框 8">
-            <a:extLst>
-              <a:ext uri="{FF2B5EF4-FFF2-40B4-BE49-F238E27FC236}">
-                <a16:creationId xmlns:a16="http://schemas.microsoft.com/office/drawing/2014/main" id="{ED9B93DC-5880-9D4B-AD03-2A9ADCF8E4D4}"/>
-              </a:ext>
-            </a:extLst>
-          </p:cNvPr>
-          <p:cNvSpPr txBox="1"/>
-          <p:nvPr/>
-        </p:nvSpPr>
-        <p:spPr>
-          <a:xfrm>
-            <a:off x="540000" y="1800000"/>
-            <a:ext cx="1070042" cy="542675"/>
-          </a:xfrm>
-          <a:prstGeom prst="rect">
-            <a:avLst/>
-          </a:prstGeom>
-          <a:solidFill>
-            <a:schemeClr val="accent2"/>
-          </a:solidFill>
-        </p:spPr>
-        <p:txBody>
-          <a:bodyPr wrap="square" rtlCol="0">
-            <a:spAutoFit/>
-          </a:bodyPr>
-          <a:lstStyle/>
-          <a:p>
-            <a:r>
-              <a:rPr kumimoji="1" lang="zh-CN" altLang="en-US" sz="2800" dirty="0">
-                <a:solidFill>
-                  <a:schemeClr val="bg1"/>
-                </a:solidFill>
-                <a:latin typeface="Microsoft YaHei" panose="020B0503020204020204" pitchFamily="34" charset="-122"/>
-                <a:ea typeface="Microsoft YaHei" panose="020B0503020204020204" pitchFamily="34" charset="-122"/>
-              </a:rPr>
-              <a:t>定义</a:t>
-            </a:r>
-          </a:p>
-        </p:txBody>
-      </p:sp>
-      <p:sp>
-        <p:nvSpPr>
-          <p:cNvPr id="10" name="文本框 9">
-            <a:extLst>
-              <a:ext uri="{FF2B5EF4-FFF2-40B4-BE49-F238E27FC236}">
-                <a16:creationId xmlns:a16="http://schemas.microsoft.com/office/drawing/2014/main" id="{5732DAF2-E38B-774A-9902-B765D16F0ED3}"/>
-              </a:ext>
-            </a:extLst>
-          </p:cNvPr>
-          <p:cNvSpPr txBox="1"/>
-          <p:nvPr/>
-        </p:nvSpPr>
-        <p:spPr>
-          <a:xfrm>
-            <a:off x="540000" y="3960000"/>
-            <a:ext cx="1070042" cy="542675"/>
-          </a:xfrm>
-          <a:prstGeom prst="rect">
-            <a:avLst/>
-          </a:prstGeom>
-          <a:solidFill>
-            <a:schemeClr val="accent2"/>
-          </a:solidFill>
-        </p:spPr>
-        <p:txBody>
-          <a:bodyPr wrap="square" rtlCol="0">
-            <a:spAutoFit/>
-          </a:bodyPr>
-          <a:lstStyle/>
-          <a:p>
-            <a:r>
-              <a:rPr kumimoji="1" lang="zh-CN" altLang="en-US" sz="2800" dirty="0">
-                <a:solidFill>
-                  <a:schemeClr val="bg1"/>
-                </a:solidFill>
-                <a:latin typeface="Microsoft YaHei" panose="020B0503020204020204" pitchFamily="34" charset="-122"/>
-                <a:ea typeface="Microsoft YaHei" panose="020B0503020204020204" pitchFamily="34" charset="-122"/>
-              </a:rPr>
-              <a:t>例子</a:t>
-            </a:r>
-          </a:p>
-        </p:txBody>
-      </p:sp>
-      <p:sp>
-        <p:nvSpPr>
-          <p:cNvPr id="11" name="文本框 10">
-            <a:extLst>
-              <a:ext uri="{FF2B5EF4-FFF2-40B4-BE49-F238E27FC236}">
-                <a16:creationId xmlns:a16="http://schemas.microsoft.com/office/drawing/2014/main" id="{EEAB9724-EED2-8C47-965D-0BB8BCC390D8}"/>
-              </a:ext>
-            </a:extLst>
-          </p:cNvPr>
-          <p:cNvSpPr txBox="1"/>
-          <p:nvPr/>
-        </p:nvSpPr>
-        <p:spPr>
-          <a:xfrm>
-            <a:off x="1610042" y="4932858"/>
-            <a:ext cx="6609588" cy="523220"/>
-          </a:xfrm>
-          <a:prstGeom prst="rect">
-            <a:avLst/>
-          </a:prstGeom>
-          <a:noFill/>
-        </p:spPr>
-        <p:txBody>
-          <a:bodyPr wrap="square" rtlCol="0">
-            <a:spAutoFit/>
-          </a:bodyPr>
-          <a:lstStyle/>
           <a:p>
             <a:r>
               <a:rPr kumimoji="1" lang="zh-CN" altLang="en-US" sz="2800" dirty="0">
                 <a:latin typeface="Microsoft YaHei" panose="020B0503020204020204" pitchFamily="34" charset="-122"/>
                 <a:ea typeface="Microsoft YaHei" panose="020B0503020204020204" pitchFamily="34" charset="-122"/>
               </a:rPr>
-              <a:t>宿舍</a:t>
-            </a:r>
-            <a:r>
-              <a:rPr kumimoji="1" lang="en-US" altLang="zh-CN" sz="2800" dirty="0">
-                <a:latin typeface="Microsoft YaHei" panose="020B0503020204020204" pitchFamily="34" charset="-122"/>
-                <a:ea typeface="Microsoft YaHei" panose="020B0503020204020204" pitchFamily="34" charset="-122"/>
-              </a:rPr>
-              <a:t>/</a:t>
-            </a:r>
-            <a:r>
-              <a:rPr kumimoji="1" lang="zh-CN" altLang="en-US" sz="2800" dirty="0">
-                <a:latin typeface="Microsoft YaHei" panose="020B0503020204020204" pitchFamily="34" charset="-122"/>
-                <a:ea typeface="Microsoft YaHei" panose="020B0503020204020204" pitchFamily="34" charset="-122"/>
-              </a:rPr>
-              <a:t>教室 分布</a:t>
-            </a:r>
-            <a:endParaRPr kumimoji="1" lang="zh-CN" altLang="en-US" sz="2800" dirty="0">
-              <a:latin typeface="微软雅黑" panose="020B0503020204020204" pitchFamily="34" charset="-122"/>
-              <a:ea typeface="Microsoft YaHei" panose="020B0503020204020204" pitchFamily="34" charset="-122"/>
-            </a:endParaRPr>
+              <a:t>“上海自来水来自海上”</a:t>
+            </a:r>
           </a:p>
         </p:txBody>
       </p:sp>
     </p:spTree>
     <p:extLst>
       <p:ext uri="{BB962C8B-B14F-4D97-AF65-F5344CB8AC3E}">
-        <p14:creationId xmlns:p14="http://schemas.microsoft.com/office/powerpoint/2010/main" val="1022283620"/>
+        <p14:creationId xmlns:p14="http://schemas.microsoft.com/office/powerpoint/2010/main" val="1727967739"/>
       </p:ext>
     </p:extLst>
   </p:cSld>
@@ -4938,7 +5070,7 @@
         </p:nvSpPr>
         <p:spPr>
           <a:xfrm>
-            <a:off x="2054352" y="630545"/>
+            <a:off x="2054352" y="751877"/>
             <a:ext cx="8083296" cy="830997"/>
           </a:xfrm>
           <a:prstGeom prst="rect">
@@ -4958,14 +5090,14 @@
                 <a:latin typeface="Microsoft YaHei" panose="020B0503020204020204" pitchFamily="34" charset="-122"/>
                 <a:ea typeface="Microsoft YaHei" panose="020B0503020204020204" pitchFamily="34" charset="-122"/>
               </a:rPr>
-              <a:t>3.</a:t>
+              <a:t>1.</a:t>
             </a:r>
             <a:r>
               <a:rPr kumimoji="1" lang="zh-CN" altLang="en-US" sz="4800" dirty="0">
                 <a:latin typeface="Microsoft YaHei" panose="020B0503020204020204" pitchFamily="34" charset="-122"/>
                 <a:ea typeface="Microsoft YaHei" panose="020B0503020204020204" pitchFamily="34" charset="-122"/>
               </a:rPr>
-              <a:t>队列的顺序存储和链式存储。</a:t>
+              <a:t>什么是串</a:t>
             </a:r>
           </a:p>
         </p:txBody>
@@ -4984,8 +5116,8 @@
         </p:nvSpPr>
         <p:spPr>
           <a:xfrm>
-            <a:off x="1610041" y="2576591"/>
-            <a:ext cx="9873121" cy="954107"/>
+            <a:off x="1610042" y="2601758"/>
+            <a:ext cx="6609588" cy="1384995"/>
           </a:xfrm>
           <a:prstGeom prst="rect">
             <a:avLst/>
@@ -5003,17 +5135,44 @@
                 <a:latin typeface="微软雅黑" panose="020B0503020204020204" pitchFamily="34" charset="-122"/>
                 <a:ea typeface="Microsoft YaHei" panose="020B0503020204020204" pitchFamily="34" charset="-122"/>
               </a:rPr>
-              <a:t>每个数据单元不止有数据，还包含指向下一个数据地址的信息，由此数据单元串联起来的方式叫链式存储</a:t>
-            </a:r>
-          </a:p>
-        </p:txBody>
-      </p:sp>
-      <p:sp>
-        <p:nvSpPr>
-          <p:cNvPr id="9" name="文本框 8">
-            <a:extLst>
-              <a:ext uri="{FF2B5EF4-FFF2-40B4-BE49-F238E27FC236}">
-                <a16:creationId xmlns:a16="http://schemas.microsoft.com/office/drawing/2014/main" id="{ED9B93DC-5880-9D4B-AD03-2A9ADCF8E4D4}"/>
+              <a:t>零个或者多个元素的有限序列。</a:t>
+            </a:r>
+            <a:endParaRPr kumimoji="1" lang="en-US" altLang="zh-CN" sz="2800" dirty="0">
+              <a:latin typeface="微软雅黑" panose="020B0503020204020204" pitchFamily="34" charset="-122"/>
+              <a:ea typeface="Microsoft YaHei" panose="020B0503020204020204" pitchFamily="34" charset="-122"/>
+            </a:endParaRPr>
+          </a:p>
+          <a:p>
+            <a:r>
+              <a:rPr kumimoji="1" lang="zh-CN" altLang="en-US" sz="2800" dirty="0">
+                <a:latin typeface="微软雅黑" panose="020B0503020204020204" pitchFamily="34" charset="-122"/>
+                <a:ea typeface="Microsoft YaHei" panose="020B0503020204020204" pitchFamily="34" charset="-122"/>
+              </a:rPr>
+              <a:t>至于串的应用，其实大家已经在</a:t>
+            </a:r>
+            <a:r>
+              <a:rPr kumimoji="1" lang="en-US" altLang="zh-CN" sz="2800" dirty="0">
+                <a:latin typeface="微软雅黑" panose="020B0503020204020204" pitchFamily="34" charset="-122"/>
+                <a:ea typeface="Microsoft YaHei" panose="020B0503020204020204" pitchFamily="34" charset="-122"/>
+              </a:rPr>
+              <a:t>Java</a:t>
+            </a:r>
+            <a:r>
+              <a:rPr kumimoji="1" lang="zh-CN" altLang="en-US" sz="2800" dirty="0">
+                <a:latin typeface="微软雅黑" panose="020B0503020204020204" pitchFamily="34" charset="-122"/>
+                <a:ea typeface="Microsoft YaHei" panose="020B0503020204020204" pitchFamily="34" charset="-122"/>
+              </a:rPr>
+              <a:t>课程中也有所了解了。</a:t>
+            </a:r>
+          </a:p>
+        </p:txBody>
+      </p:sp>
+      <p:sp>
+        <p:nvSpPr>
+          <p:cNvPr id="6" name="文本框 5">
+            <a:extLst>
+              <a:ext uri="{FF2B5EF4-FFF2-40B4-BE49-F238E27FC236}">
+                <a16:creationId xmlns:a16="http://schemas.microsoft.com/office/drawing/2014/main" id="{9EFC4C1D-ECA4-5B4B-A241-92DFA4F89344}"/>
               </a:ext>
             </a:extLst>
           </p:cNvPr>
@@ -5051,53 +5210,10 @@
           </a:p>
         </p:txBody>
       </p:sp>
-      <p:sp>
-        <p:nvSpPr>
-          <p:cNvPr id="10" name="文本框 9">
-            <a:extLst>
-              <a:ext uri="{FF2B5EF4-FFF2-40B4-BE49-F238E27FC236}">
-                <a16:creationId xmlns:a16="http://schemas.microsoft.com/office/drawing/2014/main" id="{5732DAF2-E38B-774A-9902-B765D16F0ED3}"/>
-              </a:ext>
-            </a:extLst>
-          </p:cNvPr>
-          <p:cNvSpPr txBox="1"/>
-          <p:nvPr/>
-        </p:nvSpPr>
-        <p:spPr>
-          <a:xfrm>
-            <a:off x="540000" y="3960000"/>
-            <a:ext cx="1070042" cy="542675"/>
-          </a:xfrm>
-          <a:prstGeom prst="rect">
-            <a:avLst/>
-          </a:prstGeom>
-          <a:solidFill>
-            <a:schemeClr val="accent2"/>
-          </a:solidFill>
-        </p:spPr>
-        <p:txBody>
-          <a:bodyPr wrap="square" rtlCol="0">
-            <a:spAutoFit/>
-          </a:bodyPr>
-          <a:lstStyle/>
-          <a:p>
-            <a:r>
-              <a:rPr kumimoji="1" lang="zh-CN" altLang="en-US" sz="2800" dirty="0">
-                <a:solidFill>
-                  <a:schemeClr val="bg1"/>
-                </a:solidFill>
-                <a:latin typeface="Microsoft YaHei" panose="020B0503020204020204" pitchFamily="34" charset="-122"/>
-                <a:ea typeface="Microsoft YaHei" panose="020B0503020204020204" pitchFamily="34" charset="-122"/>
-              </a:rPr>
-              <a:t>例子</a:t>
-            </a:r>
-          </a:p>
-        </p:txBody>
-      </p:sp>
     </p:spTree>
     <p:extLst>
       <p:ext uri="{BB962C8B-B14F-4D97-AF65-F5344CB8AC3E}">
-        <p14:creationId xmlns:p14="http://schemas.microsoft.com/office/powerpoint/2010/main" val="2691737872"/>
+        <p14:creationId xmlns:p14="http://schemas.microsoft.com/office/powerpoint/2010/main" val="935474760"/>
       </p:ext>
     </p:extLst>
   </p:cSld>
@@ -5147,7 +5263,7 @@
         </p:nvSpPr>
         <p:spPr>
           <a:xfrm>
-            <a:off x="2054352" y="655874"/>
+            <a:off x="2054352" y="630545"/>
             <a:ext cx="8083296" cy="830997"/>
           </a:xfrm>
           <a:prstGeom prst="rect">
@@ -5167,22 +5283,84 @@
                 <a:latin typeface="Microsoft YaHei" panose="020B0503020204020204" pitchFamily="34" charset="-122"/>
                 <a:ea typeface="Microsoft YaHei" panose="020B0503020204020204" pitchFamily="34" charset="-122"/>
               </a:rPr>
-              <a:t>4.</a:t>
+              <a:t>2.</a:t>
             </a:r>
             <a:r>
               <a:rPr kumimoji="1" lang="zh-CN" altLang="en-US" sz="4800" dirty="0">
                 <a:latin typeface="Microsoft YaHei" panose="020B0503020204020204" pitchFamily="34" charset="-122"/>
                 <a:ea typeface="Microsoft YaHei" panose="020B0503020204020204" pitchFamily="34" charset="-122"/>
               </a:rPr>
-              <a:t>朴素模式匹配算法</a:t>
-            </a:r>
-          </a:p>
-        </p:txBody>
-      </p:sp>
+              <a:t>串的抽象数据类型</a:t>
+            </a:r>
+          </a:p>
+        </p:txBody>
+      </p:sp>
+      <p:sp>
+        <p:nvSpPr>
+          <p:cNvPr id="4" name="文本框 3">
+            <a:extLst>
+              <a:ext uri="{FF2B5EF4-FFF2-40B4-BE49-F238E27FC236}">
+                <a16:creationId xmlns:a16="http://schemas.microsoft.com/office/drawing/2014/main" id="{709829DA-4D2A-D44C-9754-4168CF91DFE2}"/>
+              </a:ext>
+            </a:extLst>
+          </p:cNvPr>
+          <p:cNvSpPr txBox="1"/>
+          <p:nvPr/>
+        </p:nvSpPr>
+        <p:spPr>
+          <a:xfrm>
+            <a:off x="10474036" y="5818909"/>
+            <a:ext cx="184731" cy="369332"/>
+          </a:xfrm>
+          <a:prstGeom prst="rect">
+            <a:avLst/>
+          </a:prstGeom>
+          <a:noFill/>
+        </p:spPr>
+        <p:txBody>
+          <a:bodyPr wrap="none" rtlCol="0">
+            <a:spAutoFit/>
+          </a:bodyPr>
+          <a:lstStyle/>
+          <a:p>
+            <a:endParaRPr kumimoji="1" lang="zh-CN" altLang="en-US" dirty="0"/>
+          </a:p>
+        </p:txBody>
+      </p:sp>
+      <p:pic>
+        <p:nvPicPr>
+          <p:cNvPr id="5" name="图片 4">
+            <a:extLst>
+              <a:ext uri="{FF2B5EF4-FFF2-40B4-BE49-F238E27FC236}">
+                <a16:creationId xmlns:a16="http://schemas.microsoft.com/office/drawing/2014/main" id="{12318235-87ED-7F4B-B36E-9E77B8D64BD9}"/>
+              </a:ext>
+            </a:extLst>
+          </p:cNvPr>
+          <p:cNvPicPr>
+            <a:picLocks noChangeAspect="1"/>
+          </p:cNvPicPr>
+          <p:nvPr/>
+        </p:nvPicPr>
+        <p:blipFill>
+          <a:blip r:embed="rId3"/>
+          <a:stretch>
+            <a:fillRect/>
+          </a:stretch>
+        </p:blipFill>
+        <p:spPr>
+          <a:xfrm>
+            <a:off x="2054352" y="1766454"/>
+            <a:ext cx="9466581" cy="4197927"/>
+          </a:xfrm>
+          <a:prstGeom prst="rect">
+            <a:avLst/>
+          </a:prstGeom>
+        </p:spPr>
+      </p:pic>
     </p:spTree>
     <p:extLst>
       <p:ext uri="{BB962C8B-B14F-4D97-AF65-F5344CB8AC3E}">
-        <p14:creationId xmlns:p14="http://schemas.microsoft.com/office/powerpoint/2010/main" val="1981531383"/>
+        <p14:creationId xmlns:p14="http://schemas.microsoft.com/office/powerpoint/2010/main" val="1022283620"/>
       </p:ext>
     </p:extLst>
   </p:cSld>
@@ -5232,7 +5410,7 @@
         </p:nvSpPr>
         <p:spPr>
           <a:xfrm>
-            <a:off x="2054352" y="718220"/>
+            <a:off x="2054352" y="630545"/>
             <a:ext cx="8083296" cy="830997"/>
           </a:xfrm>
           <a:prstGeom prst="rect">
@@ -5252,24 +5430,24 @@
                 <a:latin typeface="Microsoft YaHei" panose="020B0503020204020204" pitchFamily="34" charset="-122"/>
                 <a:ea typeface="Microsoft YaHei" panose="020B0503020204020204" pitchFamily="34" charset="-122"/>
               </a:rPr>
-              <a:t>5.KMP</a:t>
+              <a:t>2.</a:t>
             </a:r>
             <a:r>
               <a:rPr kumimoji="1" lang="zh-CN" altLang="en-US" sz="4800" dirty="0">
                 <a:latin typeface="Microsoft YaHei" panose="020B0503020204020204" pitchFamily="34" charset="-122"/>
                 <a:ea typeface="Microsoft YaHei" panose="020B0503020204020204" pitchFamily="34" charset="-122"/>
               </a:rPr>
-              <a:t>模式匹配算法</a:t>
-            </a:r>
-          </a:p>
-        </p:txBody>
-      </p:sp>
-      <p:sp>
-        <p:nvSpPr>
-          <p:cNvPr id="2" name="文本框 1">
-            <a:extLst>
-              <a:ext uri="{FF2B5EF4-FFF2-40B4-BE49-F238E27FC236}">
-                <a16:creationId xmlns:a16="http://schemas.microsoft.com/office/drawing/2014/main" id="{2348A353-F74A-F749-85B3-0743B6EAB0EF}"/>
+              <a:t>串的抽象数据类型</a:t>
+            </a:r>
+          </a:p>
+        </p:txBody>
+      </p:sp>
+      <p:sp>
+        <p:nvSpPr>
+          <p:cNvPr id="4" name="文本框 3">
+            <a:extLst>
+              <a:ext uri="{FF2B5EF4-FFF2-40B4-BE49-F238E27FC236}">
+                <a16:creationId xmlns:a16="http://schemas.microsoft.com/office/drawing/2014/main" id="{709829DA-4D2A-D44C-9754-4168CF91DFE2}"/>
               </a:ext>
             </a:extLst>
           </p:cNvPr>
@@ -5278,8 +5456,8 @@
         </p:nvSpPr>
         <p:spPr>
           <a:xfrm>
-            <a:off x="2466753" y="2445488"/>
-            <a:ext cx="6039294" cy="523220"/>
+            <a:off x="10474036" y="5818909"/>
+            <a:ext cx="184731" cy="369332"/>
           </a:xfrm>
           <a:prstGeom prst="rect">
             <a:avLst/>
@@ -5287,22 +5465,49 @@
           <a:noFill/>
         </p:spPr>
         <p:txBody>
-          <a:bodyPr wrap="square" rtlCol="0">
+          <a:bodyPr wrap="none" rtlCol="0">
             <a:spAutoFit/>
           </a:bodyPr>
           <a:lstStyle/>
           <a:p>
-            <a:r>
-              <a:rPr kumimoji="1" lang="zh-CN" altLang="en-US" sz="2800" dirty="0"/>
-              <a:t>基于单链表的基础，增加循环的功能</a:t>
-            </a:r>
-          </a:p>
-        </p:txBody>
-      </p:sp>
+            <a:endParaRPr kumimoji="1" lang="zh-CN" altLang="en-US" dirty="0"/>
+          </a:p>
+        </p:txBody>
+      </p:sp>
+      <p:pic>
+        <p:nvPicPr>
+          <p:cNvPr id="2" name="图片 1">
+            <a:extLst>
+              <a:ext uri="{FF2B5EF4-FFF2-40B4-BE49-F238E27FC236}">
+                <a16:creationId xmlns:a16="http://schemas.microsoft.com/office/drawing/2014/main" id="{619101D5-1525-C046-950E-C09B8C35E920}"/>
+              </a:ext>
+            </a:extLst>
+          </p:cNvPr>
+          <p:cNvPicPr>
+            <a:picLocks noChangeAspect="1"/>
+          </p:cNvPicPr>
+          <p:nvPr/>
+        </p:nvPicPr>
+        <p:blipFill>
+          <a:blip r:embed="rId3"/>
+          <a:stretch>
+            <a:fillRect/>
+          </a:stretch>
+        </p:blipFill>
+        <p:spPr>
+          <a:xfrm>
+            <a:off x="2273462" y="2062766"/>
+            <a:ext cx="7864186" cy="4125475"/>
+          </a:xfrm>
+          <a:prstGeom prst="rect">
+            <a:avLst/>
+          </a:prstGeom>
+        </p:spPr>
+      </p:pic>
     </p:spTree>
     <p:extLst>
       <p:ext uri="{BB962C8B-B14F-4D97-AF65-F5344CB8AC3E}">
-        <p14:creationId xmlns:p14="http://schemas.microsoft.com/office/powerpoint/2010/main" val="1742615019"/>
+        <p14:creationId xmlns:p14="http://schemas.microsoft.com/office/powerpoint/2010/main" val="39759268"/>
       </p:ext>
     </p:extLst>
   </p:cSld>
@@ -5318,7 +5523,7 @@
     <p:bg>
       <p:bgPr>
         <a:blipFill>
-          <a:blip r:embed="rId3"/>
+          <a:blip r:embed="rId2"/>
           <a:tile tx="0" ty="0" sx="100000" sy="100000" flip="none" algn="tl"/>
         </a:blipFill>
         <a:effectLst/>
@@ -5340,10 +5545,10 @@
       </p:grpSpPr>
       <p:sp>
         <p:nvSpPr>
-          <p:cNvPr id="2" name="文本框 1">
-            <a:extLst>
-              <a:ext uri="{FF2B5EF4-FFF2-40B4-BE49-F238E27FC236}">
-                <a16:creationId xmlns:a16="http://schemas.microsoft.com/office/drawing/2014/main" id="{12AA8BCC-7B15-4842-80C2-48C079429338}"/>
+          <p:cNvPr id="3" name="文本框 2">
+            <a:extLst>
+              <a:ext uri="{FF2B5EF4-FFF2-40B4-BE49-F238E27FC236}">
+                <a16:creationId xmlns:a16="http://schemas.microsoft.com/office/drawing/2014/main" id="{62BFC649-BF8E-2841-8EAF-47AFBF9D6671}"/>
               </a:ext>
             </a:extLst>
           </p:cNvPr>
@@ -5352,8 +5557,8 @@
         </p:nvSpPr>
         <p:spPr>
           <a:xfrm>
-            <a:off x="2228088" y="2921168"/>
-            <a:ext cx="7735824" cy="1015663"/>
+            <a:off x="1910731" y="519546"/>
+            <a:ext cx="9271739" cy="830997"/>
           </a:xfrm>
           <a:prstGeom prst="rect">
             <a:avLst/>
@@ -5368,11 +5573,160 @@
           <a:p>
             <a:pPr algn="ctr"/>
             <a:r>
-              <a:rPr kumimoji="1" lang="zh-CN" altLang="en-US" sz="6000" dirty="0">
+              <a:rPr kumimoji="1" lang="en-US" altLang="zh-CN" sz="4800" dirty="0">
                 <a:latin typeface="Microsoft YaHei" panose="020B0503020204020204" pitchFamily="34" charset="-122"/>
                 <a:ea typeface="Microsoft YaHei" panose="020B0503020204020204" pitchFamily="34" charset="-122"/>
               </a:rPr>
-              <a:t>这堂课我们学了撒？</a:t>
+              <a:t>3.</a:t>
+            </a:r>
+            <a:r>
+              <a:rPr kumimoji="1" lang="zh-CN" altLang="en-US" sz="4800" dirty="0">
+                <a:latin typeface="Microsoft YaHei" panose="020B0503020204020204" pitchFamily="34" charset="-122"/>
+                <a:ea typeface="Microsoft YaHei" panose="020B0503020204020204" pitchFamily="34" charset="-122"/>
+              </a:rPr>
+              <a:t>字符串的顺序存储和链式存储</a:t>
+            </a:r>
+          </a:p>
+        </p:txBody>
+      </p:sp>
+      <p:pic>
+        <p:nvPicPr>
+          <p:cNvPr id="2" name="图片 1">
+            <a:extLst>
+              <a:ext uri="{FF2B5EF4-FFF2-40B4-BE49-F238E27FC236}">
+                <a16:creationId xmlns:a16="http://schemas.microsoft.com/office/drawing/2014/main" id="{032239DC-B5A9-114B-8693-BC9263C09C73}"/>
+              </a:ext>
+            </a:extLst>
+          </p:cNvPr>
+          <p:cNvPicPr>
+            <a:picLocks noChangeAspect="1"/>
+          </p:cNvPicPr>
+          <p:nvPr/>
+        </p:nvPicPr>
+        <p:blipFill>
+          <a:blip r:embed="rId3"/>
+          <a:stretch>
+            <a:fillRect/>
+          </a:stretch>
+        </p:blipFill>
+        <p:spPr>
+          <a:xfrm>
+            <a:off x="1395268" y="2362243"/>
+            <a:ext cx="6216650" cy="1920045"/>
+          </a:xfrm>
+          <a:prstGeom prst="rect">
+            <a:avLst/>
+          </a:prstGeom>
+        </p:spPr>
+      </p:pic>
+      <p:pic>
+        <p:nvPicPr>
+          <p:cNvPr id="5" name="图片 4">
+            <a:extLst>
+              <a:ext uri="{FF2B5EF4-FFF2-40B4-BE49-F238E27FC236}">
+                <a16:creationId xmlns:a16="http://schemas.microsoft.com/office/drawing/2014/main" id="{9F222776-E92B-E245-A7EC-4E13C925D0C4}"/>
+              </a:ext>
+            </a:extLst>
+          </p:cNvPr>
+          <p:cNvPicPr>
+            <a:picLocks noChangeAspect="1"/>
+          </p:cNvPicPr>
+          <p:nvPr/>
+        </p:nvPicPr>
+        <p:blipFill>
+          <a:blip r:embed="rId4"/>
+          <a:stretch>
+            <a:fillRect/>
+          </a:stretch>
+        </p:blipFill>
+        <p:spPr>
+          <a:xfrm>
+            <a:off x="1395268" y="5231681"/>
+            <a:ext cx="8623420" cy="913432"/>
+          </a:xfrm>
+          <a:prstGeom prst="rect">
+            <a:avLst/>
+          </a:prstGeom>
+        </p:spPr>
+      </p:pic>
+      <p:sp>
+        <p:nvSpPr>
+          <p:cNvPr id="6" name="文本框 5">
+            <a:extLst>
+              <a:ext uri="{FF2B5EF4-FFF2-40B4-BE49-F238E27FC236}">
+                <a16:creationId xmlns:a16="http://schemas.microsoft.com/office/drawing/2014/main" id="{E81758C9-142C-764D-BAFA-80BF5752963A}"/>
+              </a:ext>
+            </a:extLst>
+          </p:cNvPr>
+          <p:cNvSpPr txBox="1"/>
+          <p:nvPr/>
+        </p:nvSpPr>
+        <p:spPr>
+          <a:xfrm>
+            <a:off x="8478982" y="3013364"/>
+            <a:ext cx="1539706" cy="461665"/>
+          </a:xfrm>
+          <a:prstGeom prst="rect">
+            <a:avLst/>
+          </a:prstGeom>
+          <a:solidFill>
+            <a:schemeClr val="accent2"/>
+          </a:solidFill>
+        </p:spPr>
+        <p:txBody>
+          <a:bodyPr wrap="square" rtlCol="0">
+            <a:spAutoFit/>
+          </a:bodyPr>
+          <a:lstStyle/>
+          <a:p>
+            <a:r>
+              <a:rPr kumimoji="1" lang="zh-CN" altLang="en-US" sz="2400" dirty="0">
+                <a:solidFill>
+                  <a:schemeClr val="bg1"/>
+                </a:solidFill>
+              </a:rPr>
+              <a:t>顺序存储</a:t>
+            </a:r>
+          </a:p>
+        </p:txBody>
+      </p:sp>
+      <p:sp>
+        <p:nvSpPr>
+          <p:cNvPr id="11" name="文本框 10">
+            <a:extLst>
+              <a:ext uri="{FF2B5EF4-FFF2-40B4-BE49-F238E27FC236}">
+                <a16:creationId xmlns:a16="http://schemas.microsoft.com/office/drawing/2014/main" id="{FDDEF2A0-E549-1A40-AE22-D9238F860A14}"/>
+              </a:ext>
+            </a:extLst>
+          </p:cNvPr>
+          <p:cNvSpPr txBox="1"/>
+          <p:nvPr/>
+        </p:nvSpPr>
+        <p:spPr>
+          <a:xfrm>
+            <a:off x="10412617" y="5305419"/>
+            <a:ext cx="1539706" cy="461665"/>
+          </a:xfrm>
+          <a:prstGeom prst="rect">
+            <a:avLst/>
+          </a:prstGeom>
+          <a:solidFill>
+            <a:schemeClr val="accent2"/>
+          </a:solidFill>
+        </p:spPr>
+        <p:txBody>
+          <a:bodyPr wrap="square" rtlCol="0">
+            <a:spAutoFit/>
+          </a:bodyPr>
+          <a:lstStyle/>
+          <a:p>
+            <a:r>
+              <a:rPr kumimoji="1" lang="zh-CN" altLang="en-US" sz="2400" dirty="0">
+                <a:solidFill>
+                  <a:schemeClr val="bg1"/>
+                </a:solidFill>
+              </a:rPr>
+              <a:t>链式存储</a:t>
             </a:r>
           </a:p>
         </p:txBody>
@@ -5380,7 +5734,7 @@
     </p:spTree>
     <p:extLst>
       <p:ext uri="{BB962C8B-B14F-4D97-AF65-F5344CB8AC3E}">
-        <p14:creationId xmlns:p14="http://schemas.microsoft.com/office/powerpoint/2010/main" val="3338372476"/>
+        <p14:creationId xmlns:p14="http://schemas.microsoft.com/office/powerpoint/2010/main" val="2691737872"/>
       </p:ext>
     </p:extLst>
   </p:cSld>
@@ -5396,7 +5750,7 @@
     <p:bg>
       <p:bgPr>
         <a:blipFill>
-          <a:blip r:embed="rId3"/>
+          <a:blip r:embed="rId2"/>
           <a:tile tx="0" ty="0" sx="100000" sy="100000" flip="none" algn="tl"/>
         </a:blipFill>
         <a:effectLst/>
@@ -5430,8 +5784,8 @@
         </p:nvSpPr>
         <p:spPr>
           <a:xfrm>
-            <a:off x="914400" y="581161"/>
-            <a:ext cx="10363200" cy="830997"/>
+            <a:off x="2054352" y="655874"/>
+            <a:ext cx="8083296" cy="830997"/>
           </a:xfrm>
           <a:prstGeom prst="rect">
             <a:avLst/>
@@ -5446,72 +5800,26 @@
           <a:p>
             <a:pPr algn="ctr"/>
             <a:r>
+              <a:rPr kumimoji="1" lang="en-US" altLang="zh-CN" sz="4800" dirty="0">
+                <a:latin typeface="Microsoft YaHei" panose="020B0503020204020204" pitchFamily="34" charset="-122"/>
+                <a:ea typeface="Microsoft YaHei" panose="020B0503020204020204" pitchFamily="34" charset="-122"/>
+              </a:rPr>
+              <a:t>4.</a:t>
+            </a:r>
+            <a:r>
               <a:rPr kumimoji="1" lang="zh-CN" altLang="en-US" sz="4800" dirty="0">
                 <a:latin typeface="Microsoft YaHei" panose="020B0503020204020204" pitchFamily="34" charset="-122"/>
                 <a:ea typeface="Microsoft YaHei" panose="020B0503020204020204" pitchFamily="34" charset="-122"/>
               </a:rPr>
-              <a:t>总结</a:t>
-            </a:r>
-            <a:endParaRPr kumimoji="1" lang="en-US" altLang="zh-CN" sz="4800" dirty="0">
-              <a:latin typeface="Microsoft YaHei" panose="020B0503020204020204" pitchFamily="34" charset="-122"/>
-              <a:ea typeface="Microsoft YaHei" panose="020B0503020204020204" pitchFamily="34" charset="-122"/>
-            </a:endParaRPr>
-          </a:p>
-        </p:txBody>
-      </p:sp>
-      <p:sp>
-        <p:nvSpPr>
-          <p:cNvPr id="5" name="文本框 4">
-            <a:extLst>
-              <a:ext uri="{FF2B5EF4-FFF2-40B4-BE49-F238E27FC236}">
-                <a16:creationId xmlns:a16="http://schemas.microsoft.com/office/drawing/2014/main" id="{70A8FD9E-655D-F742-ACDB-18BF84BE05B3}"/>
-              </a:ext>
-            </a:extLst>
-          </p:cNvPr>
-          <p:cNvSpPr txBox="1"/>
-          <p:nvPr/>
-        </p:nvSpPr>
-        <p:spPr>
-          <a:xfrm>
-            <a:off x="765810" y="2785730"/>
-            <a:ext cx="9037409" cy="523220"/>
-          </a:xfrm>
-          <a:prstGeom prst="rect">
-            <a:avLst/>
-          </a:prstGeom>
-          <a:noFill/>
-        </p:spPr>
-        <p:txBody>
-          <a:bodyPr wrap="square" rtlCol="0">
-            <a:spAutoFit/>
-          </a:bodyPr>
-          <a:lstStyle/>
-          <a:p>
-            <a:r>
-              <a:rPr kumimoji="1" lang="zh-CN" altLang="en-US" sz="2800" dirty="0">
-                <a:latin typeface="Microsoft YaHei" panose="020B0503020204020204" pitchFamily="34" charset="-122"/>
-                <a:ea typeface="Microsoft YaHei" panose="020B0503020204020204" pitchFamily="34" charset="-122"/>
-              </a:rPr>
-              <a:t>重点： 两种存储方式 以及它们对应的</a:t>
-            </a:r>
-            <a:r>
-              <a:rPr kumimoji="1" lang="en-US" altLang="zh-CN" sz="2800" dirty="0">
-                <a:latin typeface="Microsoft YaHei" panose="020B0503020204020204" pitchFamily="34" charset="-122"/>
-                <a:ea typeface="Microsoft YaHei" panose="020B0503020204020204" pitchFamily="34" charset="-122"/>
-              </a:rPr>
-              <a:t>crud</a:t>
-            </a:r>
-            <a:endParaRPr kumimoji="1" lang="zh-CN" altLang="en-US" sz="2800" dirty="0">
-              <a:latin typeface="Microsoft YaHei" panose="020B0503020204020204" pitchFamily="34" charset="-122"/>
-              <a:ea typeface="Microsoft YaHei" panose="020B0503020204020204" pitchFamily="34" charset="-122"/>
-            </a:endParaRPr>
+              <a:t>朴素模式匹配算法</a:t>
+            </a:r>
           </a:p>
         </p:txBody>
       </p:sp>
     </p:spTree>
     <p:extLst>
       <p:ext uri="{BB962C8B-B14F-4D97-AF65-F5344CB8AC3E}">
-        <p14:creationId xmlns:p14="http://schemas.microsoft.com/office/powerpoint/2010/main" val="4062917305"/>
+        <p14:creationId xmlns:p14="http://schemas.microsoft.com/office/powerpoint/2010/main" val="1981531383"/>
       </p:ext>
     </p:extLst>
   </p:cSld>

--- a/ppt/4 串.pptx
+++ b/ppt/4 串.pptx
@@ -17,10 +17,10 @@
     <p:sldId id="293" r:id="rId8"/>
     <p:sldId id="285" r:id="rId9"/>
     <p:sldId id="286" r:id="rId10"/>
-    <p:sldId id="283" r:id="rId11"/>
-    <p:sldId id="279" r:id="rId12"/>
-    <p:sldId id="288" r:id="rId13"/>
-    <p:sldId id="265" r:id="rId14"/>
+    <p:sldId id="294" r:id="rId11"/>
+    <p:sldId id="283" r:id="rId12"/>
+    <p:sldId id="279" r:id="rId13"/>
+    <p:sldId id="288" r:id="rId14"/>
   </p:sldIdLst>
   <p:sldSz cx="12192000" cy="6858000"/>
   <p:notesSz cx="6858000" cy="9144000"/>
@@ -137,10 +137,10 @@
             <p14:sldId id="293"/>
             <p14:sldId id="285"/>
             <p14:sldId id="286"/>
+            <p14:sldId id="294"/>
             <p14:sldId id="283"/>
             <p14:sldId id="279"/>
             <p14:sldId id="288"/>
-            <p14:sldId id="265"/>
           </p14:sldIdLst>
         </p14:section>
       </p14:sectionLst>
@@ -545,30 +545,6 @@
           <a:bodyPr/>
           <a:lstStyle/>
           <a:p>
-            <a:pPr marL="0" marR="0" lvl="0" indent="0" algn="l" defTabSz="914400" rtl="0" eaLnBrk="1" fontAlgn="auto" latinLnBrk="0" hangingPunct="1">
-              <a:lnSpc>
-                <a:spcPct val="100000"/>
-              </a:lnSpc>
-              <a:spcBef>
-                <a:spcPts val="0"/>
-              </a:spcBef>
-              <a:spcAft>
-                <a:spcPts val="0"/>
-              </a:spcAft>
-              <a:buClrTx/>
-              <a:buSzTx/>
-              <a:buFontTx/>
-              <a:buNone/>
-              <a:tabLst/>
-              <a:defRPr/>
-            </a:pPr>
-            <a:r>
-              <a:rPr kumimoji="1" lang="zh-CN" altLang="en-US" dirty="0"/>
-              <a:t>另一个例子：狗会叫，猫会叫，鸭子也会叫，那他们可以抽象成 一个动物对象，这个动物对象有叫这个动作，但至于具体如何叫，就不是抽象数据模型的职责了，而是具体数据类型的职责</a:t>
-            </a:r>
-            <a:endParaRPr kumimoji="1" lang="en-US" altLang="zh-CN" dirty="0"/>
-          </a:p>
-          <a:p>
             <a:endParaRPr kumimoji="1" lang="zh-CN" altLang="en-US" dirty="0"/>
           </a:p>
         </p:txBody>
@@ -590,7 +566,7 @@
           <a:p>
             <a:fld id="{0F8E57A1-C481-6944-857F-EAC8E932B5ED}" type="slidenum">
               <a:rPr kumimoji="1" lang="zh-CN" altLang="en-US" smtClean="0"/>
-              <a:t>11</a:t>
+              <a:t>10</a:t>
             </a:fld>
             <a:endParaRPr kumimoji="1" lang="zh-CN" altLang="en-US"/>
           </a:p>
@@ -599,7 +575,7 @@
     </p:spTree>
     <p:extLst>
       <p:ext uri="{BB962C8B-B14F-4D97-AF65-F5344CB8AC3E}">
-        <p14:creationId xmlns:p14="http://schemas.microsoft.com/office/powerpoint/2010/main" val="4167110842"/>
+        <p14:creationId xmlns:p14="http://schemas.microsoft.com/office/powerpoint/2010/main" val="1897866643"/>
       </p:ext>
     </p:extLst>
   </p:cSld>
@@ -653,7 +629,7 @@
           <a:bodyPr/>
           <a:lstStyle/>
           <a:p>
-            <a:endParaRPr kumimoji="1" lang="zh-CN" altLang="en-US"/>
+            <a:endParaRPr kumimoji="1" lang="zh-CN" altLang="en-US" dirty="0"/>
           </a:p>
         </p:txBody>
       </p:sp>
@@ -683,7 +659,7 @@
     </p:spTree>
     <p:extLst>
       <p:ext uri="{BB962C8B-B14F-4D97-AF65-F5344CB8AC3E}">
-        <p14:creationId xmlns:p14="http://schemas.microsoft.com/office/powerpoint/2010/main" val="3812805568"/>
+        <p14:creationId xmlns:p14="http://schemas.microsoft.com/office/powerpoint/2010/main" val="4167110842"/>
       </p:ext>
     </p:extLst>
   </p:cSld>
@@ -737,7 +713,7 @@
           <a:bodyPr/>
           <a:lstStyle/>
           <a:p>
-            <a:endParaRPr kumimoji="1" lang="zh-CN" altLang="en-US" dirty="0"/>
+            <a:endParaRPr kumimoji="1" lang="zh-CN" altLang="en-US"/>
           </a:p>
         </p:txBody>
       </p:sp>
@@ -767,7 +743,7 @@
     </p:spTree>
     <p:extLst>
       <p:ext uri="{BB962C8B-B14F-4D97-AF65-F5344CB8AC3E}">
-        <p14:creationId xmlns:p14="http://schemas.microsoft.com/office/powerpoint/2010/main" val="1197134026"/>
+        <p14:creationId xmlns:p14="http://schemas.microsoft.com/office/powerpoint/2010/main" val="3812805568"/>
       </p:ext>
     </p:extLst>
   </p:cSld>
@@ -4085,6 +4061,49 @@
           </a:p>
         </p:txBody>
       </p:sp>
+      <p:pic>
+        <p:nvPicPr>
+          <p:cNvPr id="5" name="图片 2">
+            <a:extLst>
+              <a:ext uri="{FF2B5EF4-FFF2-40B4-BE49-F238E27FC236}">
+                <a16:creationId xmlns:a16="http://schemas.microsoft.com/office/drawing/2014/main" id="{F23694A0-0700-4A49-B5D4-EF7DD943BDF7}"/>
+              </a:ext>
+            </a:extLst>
+          </p:cNvPr>
+          <p:cNvPicPr>
+            <a:picLocks noChangeAspect="1" noChangeArrowheads="1"/>
+          </p:cNvPicPr>
+          <p:nvPr/>
+        </p:nvPicPr>
+        <p:blipFill>
+          <a:blip r:embed="rId3" cstate="print">
+            <a:extLst>
+              <a:ext uri="{28A0092B-C50C-407E-A947-70E740481C1C}">
+                <a14:useLocalDpi xmlns:a14="http://schemas.microsoft.com/office/drawing/2010/main" val="0"/>
+              </a:ext>
+            </a:extLst>
+          </a:blip>
+          <a:srcRect l="2818" t="9651" r="2068" b="9219"/>
+          <a:stretch>
+            <a:fillRect/>
+          </a:stretch>
+        </p:blipFill>
+        <p:spPr bwMode="auto">
+          <a:xfrm>
+            <a:off x="9186863" y="0"/>
+            <a:ext cx="3005137" cy="782637"/>
+          </a:xfrm>
+          <a:prstGeom prst="rect">
+            <a:avLst/>
+          </a:prstGeom>
+          <a:solidFill>
+            <a:schemeClr val="accent1"/>
+          </a:solidFill>
+          <a:ln>
+            <a:noFill/>
+          </a:ln>
+        </p:spPr>
+      </p:pic>
     </p:spTree>
     <p:extLst>
       <p:ext uri="{BB962C8B-B14F-4D97-AF65-F5344CB8AC3E}">
@@ -4099,6 +4118,395 @@
 </file>
 
 <file path=ppt/slides/slide10.xml><?xml version="1.0" encoding="utf-8"?>
+<p:sld xmlns:a="http://schemas.openxmlformats.org/drawingml/2006/main" xmlns:r="http://schemas.openxmlformats.org/officeDocument/2006/relationships" xmlns:p="http://schemas.openxmlformats.org/presentationml/2006/main">
+  <p:cSld>
+    <p:bg>
+      <p:bgPr>
+        <a:blipFill>
+          <a:blip r:embed="rId3"/>
+          <a:tile tx="0" ty="0" sx="100000" sy="100000" flip="none" algn="tl"/>
+        </a:blipFill>
+        <a:effectLst/>
+      </p:bgPr>
+    </p:bg>
+    <p:spTree>
+      <p:nvGrpSpPr>
+        <p:cNvPr id="1" name=""/>
+        <p:cNvGrpSpPr/>
+        <p:nvPr/>
+      </p:nvGrpSpPr>
+      <p:grpSpPr>
+        <a:xfrm>
+          <a:off x="0" y="0"/>
+          <a:ext cx="0" cy="0"/>
+          <a:chOff x="0" y="0"/>
+          <a:chExt cx="0" cy="0"/>
+        </a:xfrm>
+      </p:grpSpPr>
+      <p:sp>
+        <p:nvSpPr>
+          <p:cNvPr id="3" name="文本框 2">
+            <a:extLst>
+              <a:ext uri="{FF2B5EF4-FFF2-40B4-BE49-F238E27FC236}">
+                <a16:creationId xmlns:a16="http://schemas.microsoft.com/office/drawing/2014/main" id="{62BFC649-BF8E-2841-8EAF-47AFBF9D6671}"/>
+              </a:ext>
+            </a:extLst>
+          </p:cNvPr>
+          <p:cNvSpPr txBox="1"/>
+          <p:nvPr/>
+        </p:nvSpPr>
+        <p:spPr>
+          <a:xfrm>
+            <a:off x="2054352" y="655874"/>
+            <a:ext cx="8083296" cy="830997"/>
+          </a:xfrm>
+          <a:prstGeom prst="rect">
+            <a:avLst/>
+          </a:prstGeom>
+          <a:noFill/>
+        </p:spPr>
+        <p:txBody>
+          <a:bodyPr wrap="square" rtlCol="0">
+            <a:spAutoFit/>
+          </a:bodyPr>
+          <a:lstStyle/>
+          <a:p>
+            <a:pPr algn="ctr"/>
+            <a:r>
+              <a:rPr kumimoji="1" lang="en-US" altLang="zh-CN" sz="4800" dirty="0">
+                <a:latin typeface="Microsoft YaHei" panose="020B0503020204020204" pitchFamily="34" charset="-122"/>
+                <a:ea typeface="Microsoft YaHei" panose="020B0503020204020204" pitchFamily="34" charset="-122"/>
+              </a:rPr>
+              <a:t>4.</a:t>
+            </a:r>
+            <a:r>
+              <a:rPr kumimoji="1" lang="zh-CN" altLang="en-US" sz="4800" dirty="0">
+                <a:latin typeface="Microsoft YaHei" panose="020B0503020204020204" pitchFamily="34" charset="-122"/>
+                <a:ea typeface="Microsoft YaHei" panose="020B0503020204020204" pitchFamily="34" charset="-122"/>
+              </a:rPr>
+              <a:t>朴素模式匹配算法</a:t>
+            </a:r>
+          </a:p>
+        </p:txBody>
+      </p:sp>
+      <p:pic>
+        <p:nvPicPr>
+          <p:cNvPr id="12" name="图片 11">
+            <a:extLst>
+              <a:ext uri="{FF2B5EF4-FFF2-40B4-BE49-F238E27FC236}">
+                <a16:creationId xmlns:a16="http://schemas.microsoft.com/office/drawing/2014/main" id="{C04F2D5C-FCAE-7D47-9DC0-B95A64129BDC}"/>
+              </a:ext>
+            </a:extLst>
+          </p:cNvPr>
+          <p:cNvPicPr>
+            <a:picLocks noChangeAspect="1"/>
+          </p:cNvPicPr>
+          <p:nvPr/>
+        </p:nvPicPr>
+        <p:blipFill>
+          <a:blip r:embed="rId4"/>
+          <a:stretch>
+            <a:fillRect/>
+          </a:stretch>
+        </p:blipFill>
+        <p:spPr>
+          <a:xfrm>
+            <a:off x="1112403" y="2344882"/>
+            <a:ext cx="4381500" cy="1257300"/>
+          </a:xfrm>
+          <a:prstGeom prst="rect">
+            <a:avLst/>
+          </a:prstGeom>
+        </p:spPr>
+      </p:pic>
+      <p:pic>
+        <p:nvPicPr>
+          <p:cNvPr id="14" name="图片 13">
+            <a:extLst>
+              <a:ext uri="{FF2B5EF4-FFF2-40B4-BE49-F238E27FC236}">
+                <a16:creationId xmlns:a16="http://schemas.microsoft.com/office/drawing/2014/main" id="{B90360F7-999C-4E4F-BAA5-30DB12C36B24}"/>
+              </a:ext>
+            </a:extLst>
+          </p:cNvPr>
+          <p:cNvPicPr>
+            <a:picLocks noChangeAspect="1"/>
+          </p:cNvPicPr>
+          <p:nvPr/>
+        </p:nvPicPr>
+        <p:blipFill>
+          <a:blip r:embed="rId5"/>
+          <a:stretch>
+            <a:fillRect/>
+          </a:stretch>
+        </p:blipFill>
+        <p:spPr>
+          <a:xfrm>
+            <a:off x="6482197" y="2344882"/>
+            <a:ext cx="4597400" cy="1219200"/>
+          </a:xfrm>
+          <a:prstGeom prst="rect">
+            <a:avLst/>
+          </a:prstGeom>
+        </p:spPr>
+      </p:pic>
+      <p:pic>
+        <p:nvPicPr>
+          <p:cNvPr id="16" name="图片 15">
+            <a:extLst>
+              <a:ext uri="{FF2B5EF4-FFF2-40B4-BE49-F238E27FC236}">
+                <a16:creationId xmlns:a16="http://schemas.microsoft.com/office/drawing/2014/main" id="{2EFA935A-EA18-454A-808D-4FD267D8EED7}"/>
+              </a:ext>
+            </a:extLst>
+          </p:cNvPr>
+          <p:cNvPicPr>
+            <a:picLocks noChangeAspect="1"/>
+          </p:cNvPicPr>
+          <p:nvPr/>
+        </p:nvPicPr>
+        <p:blipFill>
+          <a:blip r:embed="rId6"/>
+          <a:stretch>
+            <a:fillRect/>
+          </a:stretch>
+        </p:blipFill>
+        <p:spPr>
+          <a:xfrm>
+            <a:off x="6482197" y="4846823"/>
+            <a:ext cx="4597400" cy="1355303"/>
+          </a:xfrm>
+          <a:prstGeom prst="rect">
+            <a:avLst/>
+          </a:prstGeom>
+        </p:spPr>
+      </p:pic>
+      <p:pic>
+        <p:nvPicPr>
+          <p:cNvPr id="24" name="图片 23">
+            <a:extLst>
+              <a:ext uri="{FF2B5EF4-FFF2-40B4-BE49-F238E27FC236}">
+                <a16:creationId xmlns:a16="http://schemas.microsoft.com/office/drawing/2014/main" id="{E6F61775-B833-5A4D-AF1F-5FB6A604EA89}"/>
+              </a:ext>
+            </a:extLst>
+          </p:cNvPr>
+          <p:cNvPicPr>
+            <a:picLocks noChangeAspect="1"/>
+          </p:cNvPicPr>
+          <p:nvPr/>
+        </p:nvPicPr>
+        <p:blipFill>
+          <a:blip r:embed="rId7"/>
+          <a:stretch>
+            <a:fillRect/>
+          </a:stretch>
+        </p:blipFill>
+        <p:spPr>
+          <a:xfrm>
+            <a:off x="1125105" y="4904234"/>
+            <a:ext cx="4368798" cy="1297892"/>
+          </a:xfrm>
+          <a:prstGeom prst="rect">
+            <a:avLst/>
+          </a:prstGeom>
+        </p:spPr>
+      </p:pic>
+      <p:sp>
+        <p:nvSpPr>
+          <p:cNvPr id="25" name="右箭头 24">
+            <a:extLst>
+              <a:ext uri="{FF2B5EF4-FFF2-40B4-BE49-F238E27FC236}">
+                <a16:creationId xmlns:a16="http://schemas.microsoft.com/office/drawing/2014/main" id="{79EEA3B2-AB32-214C-8CBB-4CB30D3F5385}"/>
+              </a:ext>
+            </a:extLst>
+          </p:cNvPr>
+          <p:cNvSpPr/>
+          <p:nvPr/>
+        </p:nvSpPr>
+        <p:spPr>
+          <a:xfrm>
+            <a:off x="5784272" y="2954482"/>
+            <a:ext cx="422564" cy="329045"/>
+          </a:xfrm>
+          <a:prstGeom prst="rightArrow">
+            <a:avLst/>
+          </a:prstGeom>
+        </p:spPr>
+        <p:style>
+          <a:lnRef idx="2">
+            <a:schemeClr val="accent1">
+              <a:shade val="50000"/>
+            </a:schemeClr>
+          </a:lnRef>
+          <a:fillRef idx="1">
+            <a:schemeClr val="accent1"/>
+          </a:fillRef>
+          <a:effectRef idx="0">
+            <a:schemeClr val="accent1"/>
+          </a:effectRef>
+          <a:fontRef idx="minor">
+            <a:schemeClr val="lt1"/>
+          </a:fontRef>
+        </p:style>
+        <p:txBody>
+          <a:bodyPr rtlCol="0" anchor="ctr"/>
+          <a:lstStyle/>
+          <a:p>
+            <a:pPr algn="ctr"/>
+            <a:endParaRPr kumimoji="1" lang="zh-CN" altLang="en-US"/>
+          </a:p>
+        </p:txBody>
+      </p:sp>
+      <p:sp>
+        <p:nvSpPr>
+          <p:cNvPr id="26" name="右箭头 25">
+            <a:extLst>
+              <a:ext uri="{FF2B5EF4-FFF2-40B4-BE49-F238E27FC236}">
+                <a16:creationId xmlns:a16="http://schemas.microsoft.com/office/drawing/2014/main" id="{A7A3BAF3-5AE8-444A-978B-F18A29E6378C}"/>
+              </a:ext>
+            </a:extLst>
+          </p:cNvPr>
+          <p:cNvSpPr/>
+          <p:nvPr/>
+        </p:nvSpPr>
+        <p:spPr>
+          <a:xfrm>
+            <a:off x="5769840" y="5359951"/>
+            <a:ext cx="422564" cy="329045"/>
+          </a:xfrm>
+          <a:prstGeom prst="rightArrow">
+            <a:avLst/>
+          </a:prstGeom>
+        </p:spPr>
+        <p:style>
+          <a:lnRef idx="2">
+            <a:schemeClr val="accent1">
+              <a:shade val="50000"/>
+            </a:schemeClr>
+          </a:lnRef>
+          <a:fillRef idx="1">
+            <a:schemeClr val="accent1"/>
+          </a:fillRef>
+          <a:effectRef idx="0">
+            <a:schemeClr val="accent1"/>
+          </a:effectRef>
+          <a:fontRef idx="minor">
+            <a:schemeClr val="lt1"/>
+          </a:fontRef>
+        </p:style>
+        <p:txBody>
+          <a:bodyPr rtlCol="0" anchor="ctr"/>
+          <a:lstStyle/>
+          <a:p>
+            <a:pPr algn="ctr"/>
+            <a:endParaRPr kumimoji="1" lang="zh-CN" altLang="en-US"/>
+          </a:p>
+        </p:txBody>
+      </p:sp>
+      <p:sp>
+        <p:nvSpPr>
+          <p:cNvPr id="27" name="右箭头 26">
+            <a:extLst>
+              <a:ext uri="{FF2B5EF4-FFF2-40B4-BE49-F238E27FC236}">
+                <a16:creationId xmlns:a16="http://schemas.microsoft.com/office/drawing/2014/main" id="{A6A2D14F-2B49-C744-BB47-284BEDA36CA4}"/>
+              </a:ext>
+            </a:extLst>
+          </p:cNvPr>
+          <p:cNvSpPr/>
+          <p:nvPr/>
+        </p:nvSpPr>
+        <p:spPr>
+          <a:xfrm>
+            <a:off x="325582" y="5359951"/>
+            <a:ext cx="422564" cy="329045"/>
+          </a:xfrm>
+          <a:prstGeom prst="rightArrow">
+            <a:avLst/>
+          </a:prstGeom>
+        </p:spPr>
+        <p:style>
+          <a:lnRef idx="2">
+            <a:schemeClr val="accent1">
+              <a:shade val="50000"/>
+            </a:schemeClr>
+          </a:lnRef>
+          <a:fillRef idx="1">
+            <a:schemeClr val="accent1"/>
+          </a:fillRef>
+          <a:effectRef idx="0">
+            <a:schemeClr val="accent1"/>
+          </a:effectRef>
+          <a:fontRef idx="minor">
+            <a:schemeClr val="lt1"/>
+          </a:fontRef>
+        </p:style>
+        <p:txBody>
+          <a:bodyPr rtlCol="0" anchor="ctr"/>
+          <a:lstStyle/>
+          <a:p>
+            <a:pPr algn="ctr"/>
+            <a:endParaRPr kumimoji="1" lang="zh-CN" altLang="en-US"/>
+          </a:p>
+        </p:txBody>
+      </p:sp>
+      <p:sp>
+        <p:nvSpPr>
+          <p:cNvPr id="28" name="右箭头 27">
+            <a:extLst>
+              <a:ext uri="{FF2B5EF4-FFF2-40B4-BE49-F238E27FC236}">
+                <a16:creationId xmlns:a16="http://schemas.microsoft.com/office/drawing/2014/main" id="{A12AEB0B-791D-7042-9BFF-B64E78E2AB24}"/>
+              </a:ext>
+            </a:extLst>
+          </p:cNvPr>
+          <p:cNvSpPr/>
+          <p:nvPr/>
+        </p:nvSpPr>
+        <p:spPr>
+          <a:xfrm>
+            <a:off x="11354958" y="2954481"/>
+            <a:ext cx="422564" cy="329045"/>
+          </a:xfrm>
+          <a:prstGeom prst="rightArrow">
+            <a:avLst/>
+          </a:prstGeom>
+        </p:spPr>
+        <p:style>
+          <a:lnRef idx="2">
+            <a:schemeClr val="accent1">
+              <a:shade val="50000"/>
+            </a:schemeClr>
+          </a:lnRef>
+          <a:fillRef idx="1">
+            <a:schemeClr val="accent1"/>
+          </a:fillRef>
+          <a:effectRef idx="0">
+            <a:schemeClr val="accent1"/>
+          </a:effectRef>
+          <a:fontRef idx="minor">
+            <a:schemeClr val="lt1"/>
+          </a:fontRef>
+        </p:style>
+        <p:txBody>
+          <a:bodyPr rtlCol="0" anchor="ctr"/>
+          <a:lstStyle/>
+          <a:p>
+            <a:pPr algn="ctr"/>
+            <a:endParaRPr kumimoji="1" lang="zh-CN" altLang="en-US"/>
+          </a:p>
+        </p:txBody>
+      </p:sp>
+    </p:spTree>
+    <p:extLst>
+      <p:ext uri="{BB962C8B-B14F-4D97-AF65-F5344CB8AC3E}">
+        <p14:creationId xmlns:p14="http://schemas.microsoft.com/office/powerpoint/2010/main" val="3094575913"/>
+      </p:ext>
+    </p:extLst>
+  </p:cSld>
+  <p:clrMapOvr>
+    <a:masterClrMapping/>
+  </p:clrMapOvr>
+</p:sld>
+</file>
+
+<file path=ppt/slides/slide11.xml><?xml version="1.0" encoding="utf-8"?>
 <p:sld xmlns:a="http://schemas.openxmlformats.org/drawingml/2006/main" xmlns:r="http://schemas.openxmlformats.org/officeDocument/2006/relationships" xmlns:p="http://schemas.openxmlformats.org/presentationml/2006/main">
   <p:cSld>
     <p:bg>
@@ -4184,8 +4592,8 @@
         </p:nvSpPr>
         <p:spPr>
           <a:xfrm>
-            <a:off x="2466753" y="2445488"/>
-            <a:ext cx="6039294" cy="523220"/>
+            <a:off x="3076353" y="3255979"/>
+            <a:ext cx="6039294" cy="954107"/>
           </a:xfrm>
           <a:prstGeom prst="rect">
             <a:avLst/>
@@ -4200,7 +4608,7 @@
           <a:p>
             <a:r>
               <a:rPr kumimoji="1" lang="zh-CN" altLang="en-US" sz="2800" dirty="0"/>
-              <a:t>基于单链表的基础，增加循环的功能</a:t>
+              <a:t>复杂，不做教学要求，有兴趣的同学可以自行学习</a:t>
             </a:r>
           </a:p>
         </p:txBody>
@@ -4209,84 +4617,6 @@
     <p:extLst>
       <p:ext uri="{BB962C8B-B14F-4D97-AF65-F5344CB8AC3E}">
         <p14:creationId xmlns:p14="http://schemas.microsoft.com/office/powerpoint/2010/main" val="1742615019"/>
-      </p:ext>
-    </p:extLst>
-  </p:cSld>
-  <p:clrMapOvr>
-    <a:masterClrMapping/>
-  </p:clrMapOvr>
-</p:sld>
-</file>
-
-<file path=ppt/slides/slide11.xml><?xml version="1.0" encoding="utf-8"?>
-<p:sld xmlns:a="http://schemas.openxmlformats.org/drawingml/2006/main" xmlns:r="http://schemas.openxmlformats.org/officeDocument/2006/relationships" xmlns:p="http://schemas.openxmlformats.org/presentationml/2006/main">
-  <p:cSld>
-    <p:bg>
-      <p:bgPr>
-        <a:blipFill>
-          <a:blip r:embed="rId3"/>
-          <a:tile tx="0" ty="0" sx="100000" sy="100000" flip="none" algn="tl"/>
-        </a:blipFill>
-        <a:effectLst/>
-      </p:bgPr>
-    </p:bg>
-    <p:spTree>
-      <p:nvGrpSpPr>
-        <p:cNvPr id="1" name=""/>
-        <p:cNvGrpSpPr/>
-        <p:nvPr/>
-      </p:nvGrpSpPr>
-      <p:grpSpPr>
-        <a:xfrm>
-          <a:off x="0" y="0"/>
-          <a:ext cx="0" cy="0"/>
-          <a:chOff x="0" y="0"/>
-          <a:chExt cx="0" cy="0"/>
-        </a:xfrm>
-      </p:grpSpPr>
-      <p:sp>
-        <p:nvSpPr>
-          <p:cNvPr id="2" name="文本框 1">
-            <a:extLst>
-              <a:ext uri="{FF2B5EF4-FFF2-40B4-BE49-F238E27FC236}">
-                <a16:creationId xmlns:a16="http://schemas.microsoft.com/office/drawing/2014/main" id="{12AA8BCC-7B15-4842-80C2-48C079429338}"/>
-              </a:ext>
-            </a:extLst>
-          </p:cNvPr>
-          <p:cNvSpPr txBox="1"/>
-          <p:nvPr/>
-        </p:nvSpPr>
-        <p:spPr>
-          <a:xfrm>
-            <a:off x="2228088" y="2921168"/>
-            <a:ext cx="7735824" cy="1015663"/>
-          </a:xfrm>
-          <a:prstGeom prst="rect">
-            <a:avLst/>
-          </a:prstGeom>
-          <a:noFill/>
-        </p:spPr>
-        <p:txBody>
-          <a:bodyPr wrap="square" rtlCol="0">
-            <a:spAutoFit/>
-          </a:bodyPr>
-          <a:lstStyle/>
-          <a:p>
-            <a:pPr algn="ctr"/>
-            <a:r>
-              <a:rPr kumimoji="1" lang="zh-CN" altLang="en-US" sz="6000" dirty="0">
-                <a:latin typeface="Microsoft YaHei" panose="020B0503020204020204" pitchFamily="34" charset="-122"/>
-                <a:ea typeface="Microsoft YaHei" panose="020B0503020204020204" pitchFamily="34" charset="-122"/>
-              </a:rPr>
-              <a:t>这堂课我们学了撒？</a:t>
-            </a:r>
-          </a:p>
-        </p:txBody>
-      </p:sp>
-    </p:spTree>
-    <p:extLst>
-      <p:ext uri="{BB962C8B-B14F-4D97-AF65-F5344CB8AC3E}">
-        <p14:creationId xmlns:p14="http://schemas.microsoft.com/office/powerpoint/2010/main" val="3338372476"/>
       </p:ext>
     </p:extLst>
   </p:cSld>
@@ -4324,10 +4654,10 @@
       </p:grpSpPr>
       <p:sp>
         <p:nvSpPr>
-          <p:cNvPr id="3" name="文本框 2">
-            <a:extLst>
-              <a:ext uri="{FF2B5EF4-FFF2-40B4-BE49-F238E27FC236}">
-                <a16:creationId xmlns:a16="http://schemas.microsoft.com/office/drawing/2014/main" id="{62BFC649-BF8E-2841-8EAF-47AFBF9D6671}"/>
+          <p:cNvPr id="2" name="文本框 1">
+            <a:extLst>
+              <a:ext uri="{FF2B5EF4-FFF2-40B4-BE49-F238E27FC236}">
+                <a16:creationId xmlns:a16="http://schemas.microsoft.com/office/drawing/2014/main" id="{12AA8BCC-7B15-4842-80C2-48C079429338}"/>
               </a:ext>
             </a:extLst>
           </p:cNvPr>
@@ -4336,8 +4666,8 @@
         </p:nvSpPr>
         <p:spPr>
           <a:xfrm>
-            <a:off x="914400" y="581161"/>
-            <a:ext cx="10363200" cy="830997"/>
+            <a:off x="2228088" y="2921168"/>
+            <a:ext cx="7735824" cy="1015663"/>
           </a:xfrm>
           <a:prstGeom prst="rect">
             <a:avLst/>
@@ -4352,72 +4682,19 @@
           <a:p>
             <a:pPr algn="ctr"/>
             <a:r>
-              <a:rPr kumimoji="1" lang="zh-CN" altLang="en-US" sz="4800" dirty="0">
+              <a:rPr kumimoji="1" lang="zh-CN" altLang="en-US" sz="6000" dirty="0">
                 <a:latin typeface="Microsoft YaHei" panose="020B0503020204020204" pitchFamily="34" charset="-122"/>
                 <a:ea typeface="Microsoft YaHei" panose="020B0503020204020204" pitchFamily="34" charset="-122"/>
               </a:rPr>
-              <a:t>总结</a:t>
-            </a:r>
-            <a:endParaRPr kumimoji="1" lang="en-US" altLang="zh-CN" sz="4800" dirty="0">
-              <a:latin typeface="Microsoft YaHei" panose="020B0503020204020204" pitchFamily="34" charset="-122"/>
-              <a:ea typeface="Microsoft YaHei" panose="020B0503020204020204" pitchFamily="34" charset="-122"/>
-            </a:endParaRPr>
-          </a:p>
-        </p:txBody>
-      </p:sp>
-      <p:sp>
-        <p:nvSpPr>
-          <p:cNvPr id="5" name="文本框 4">
-            <a:extLst>
-              <a:ext uri="{FF2B5EF4-FFF2-40B4-BE49-F238E27FC236}">
-                <a16:creationId xmlns:a16="http://schemas.microsoft.com/office/drawing/2014/main" id="{70A8FD9E-655D-F742-ACDB-18BF84BE05B3}"/>
-              </a:ext>
-            </a:extLst>
-          </p:cNvPr>
-          <p:cNvSpPr txBox="1"/>
-          <p:nvPr/>
-        </p:nvSpPr>
-        <p:spPr>
-          <a:xfrm>
-            <a:off x="765810" y="2785730"/>
-            <a:ext cx="9037409" cy="523220"/>
-          </a:xfrm>
-          <a:prstGeom prst="rect">
-            <a:avLst/>
-          </a:prstGeom>
-          <a:noFill/>
-        </p:spPr>
-        <p:txBody>
-          <a:bodyPr wrap="square" rtlCol="0">
-            <a:spAutoFit/>
-          </a:bodyPr>
-          <a:lstStyle/>
-          <a:p>
-            <a:r>
-              <a:rPr kumimoji="1" lang="zh-CN" altLang="en-US" sz="2800" dirty="0">
-                <a:latin typeface="Microsoft YaHei" panose="020B0503020204020204" pitchFamily="34" charset="-122"/>
-                <a:ea typeface="Microsoft YaHei" panose="020B0503020204020204" pitchFamily="34" charset="-122"/>
-              </a:rPr>
-              <a:t>重点： 两种存储方式 以及它们对应的</a:t>
-            </a:r>
-            <a:r>
-              <a:rPr kumimoji="1" lang="en-US" altLang="zh-CN" sz="2800" dirty="0">
-                <a:latin typeface="Microsoft YaHei" panose="020B0503020204020204" pitchFamily="34" charset="-122"/>
-                <a:ea typeface="Microsoft YaHei" panose="020B0503020204020204" pitchFamily="34" charset="-122"/>
-              </a:rPr>
-              <a:t>crud</a:t>
-            </a:r>
-            <a:endParaRPr kumimoji="1" lang="zh-CN" altLang="en-US" sz="2800" dirty="0">
-              <a:latin typeface="Microsoft YaHei" panose="020B0503020204020204" pitchFamily="34" charset="-122"/>
-              <a:ea typeface="Microsoft YaHei" panose="020B0503020204020204" pitchFamily="34" charset="-122"/>
-            </a:endParaRPr>
+              <a:t>这堂课我们学了啥？</a:t>
+            </a:r>
           </a:p>
         </p:txBody>
       </p:sp>
     </p:spTree>
     <p:extLst>
       <p:ext uri="{BB962C8B-B14F-4D97-AF65-F5344CB8AC3E}">
-        <p14:creationId xmlns:p14="http://schemas.microsoft.com/office/powerpoint/2010/main" val="4062917305"/>
+        <p14:creationId xmlns:p14="http://schemas.microsoft.com/office/powerpoint/2010/main" val="3338372476"/>
       </p:ext>
     </p:extLst>
   </p:cSld>
@@ -4461,7 +4738,7 @@
     </p:spTree>
     <p:extLst>
       <p:ext uri="{BB962C8B-B14F-4D97-AF65-F5344CB8AC3E}">
-        <p14:creationId xmlns:p14="http://schemas.microsoft.com/office/powerpoint/2010/main" val="721635264"/>
+        <p14:creationId xmlns:p14="http://schemas.microsoft.com/office/powerpoint/2010/main" val="4062917305"/>
       </p:ext>
     </p:extLst>
   </p:cSld>
@@ -4551,7 +4828,7 @@
         <p:spPr>
           <a:xfrm>
             <a:off x="2118840" y="1550997"/>
-            <a:ext cx="8538144" cy="5695058"/>
+            <a:ext cx="8538144" cy="4833284"/>
           </a:xfrm>
           <a:prstGeom prst="rect">
             <a:avLst/>
@@ -4676,20 +4953,8 @@
                 <a:latin typeface="Microsoft YaHei" panose="020B0503020204020204" pitchFamily="34" charset="-122"/>
                 <a:ea typeface="Microsoft YaHei" panose="020B0503020204020204" pitchFamily="34" charset="-122"/>
               </a:rPr>
-              <a:t>模式匹配算法</a:t>
-            </a:r>
-            <a:endParaRPr kumimoji="1" lang="en-US" altLang="zh-CN" sz="2800" dirty="0">
-              <a:latin typeface="Microsoft YaHei" panose="020B0503020204020204" pitchFamily="34" charset="-122"/>
-              <a:ea typeface="Microsoft YaHei" panose="020B0503020204020204" pitchFamily="34" charset="-122"/>
-            </a:endParaRPr>
-          </a:p>
-          <a:p>
-            <a:endParaRPr kumimoji="1" lang="zh-CN" altLang="en-US" sz="2800" dirty="0">
-              <a:latin typeface="Microsoft YaHei" panose="020B0503020204020204" pitchFamily="34" charset="-122"/>
-              <a:ea typeface="Microsoft YaHei" panose="020B0503020204020204" pitchFamily="34" charset="-122"/>
-            </a:endParaRPr>
-          </a:p>
-          <a:p>
+              <a:t>模式匹配算法（不做教学要求）</a:t>
+            </a:r>
             <a:endParaRPr kumimoji="1" lang="zh-CN" altLang="en-US" sz="2800" dirty="0"/>
           </a:p>
           <a:p>
@@ -5813,6 +6078,116 @@
               </a:rPr>
               <a:t>朴素模式匹配算法</a:t>
             </a:r>
+          </a:p>
+        </p:txBody>
+      </p:sp>
+      <p:sp>
+        <p:nvSpPr>
+          <p:cNvPr id="2" name="文本框 1">
+            <a:extLst>
+              <a:ext uri="{FF2B5EF4-FFF2-40B4-BE49-F238E27FC236}">
+                <a16:creationId xmlns:a16="http://schemas.microsoft.com/office/drawing/2014/main" id="{47C88E1D-8704-CA45-BC01-3181BDF8DBC1}"/>
+              </a:ext>
+            </a:extLst>
+          </p:cNvPr>
+          <p:cNvSpPr txBox="1"/>
+          <p:nvPr/>
+        </p:nvSpPr>
+        <p:spPr>
+          <a:xfrm>
+            <a:off x="1784188" y="2680855"/>
+            <a:ext cx="9271739" cy="3108543"/>
+          </a:xfrm>
+          <a:prstGeom prst="rect">
+            <a:avLst/>
+          </a:prstGeom>
+          <a:noFill/>
+        </p:spPr>
+        <p:txBody>
+          <a:bodyPr wrap="square" rtlCol="0">
+            <a:spAutoFit/>
+          </a:bodyPr>
+          <a:lstStyle/>
+          <a:p>
+            <a:pPr marL="342900" indent="-342900">
+              <a:buFont typeface="+mj-lt"/>
+              <a:buAutoNum type="arabicPeriod"/>
+            </a:pPr>
+            <a:r>
+              <a:rPr kumimoji="1" lang="zh-CN" altLang="en-US" sz="2800" dirty="0">
+                <a:latin typeface="Microsoft YaHei" panose="020B0503020204020204" pitchFamily="34" charset="-122"/>
+                <a:ea typeface="Microsoft YaHei" panose="020B0503020204020204" pitchFamily="34" charset="-122"/>
+              </a:rPr>
+              <a:t>在 </a:t>
+            </a:r>
+            <a:r>
+              <a:rPr kumimoji="1" lang="en-US" altLang="zh-CN" sz="2800" dirty="0">
+                <a:latin typeface="Microsoft YaHei" panose="020B0503020204020204" pitchFamily="34" charset="-122"/>
+                <a:ea typeface="Microsoft YaHei" panose="020B0503020204020204" pitchFamily="34" charset="-122"/>
+              </a:rPr>
+              <a:t>word/pdf</a:t>
+            </a:r>
+            <a:r>
+              <a:rPr kumimoji="1" lang="zh-CN" altLang="en-US" sz="2800" dirty="0">
+                <a:latin typeface="Microsoft YaHei" panose="020B0503020204020204" pitchFamily="34" charset="-122"/>
+                <a:ea typeface="Microsoft YaHei" panose="020B0503020204020204" pitchFamily="34" charset="-122"/>
+              </a:rPr>
+              <a:t>中，你若需要看 一个词是否出现在文章中</a:t>
+            </a:r>
+            <a:endParaRPr kumimoji="1" lang="en-US" altLang="zh-CN" sz="2800" dirty="0">
+              <a:latin typeface="Microsoft YaHei" panose="020B0503020204020204" pitchFamily="34" charset="-122"/>
+              <a:ea typeface="Microsoft YaHei" panose="020B0503020204020204" pitchFamily="34" charset="-122"/>
+            </a:endParaRPr>
+          </a:p>
+          <a:p>
+            <a:pPr marL="342900" indent="-342900">
+              <a:buFont typeface="+mj-lt"/>
+              <a:buAutoNum type="arabicPeriod"/>
+            </a:pPr>
+            <a:r>
+              <a:rPr kumimoji="1" lang="zh-CN" altLang="en-US" sz="2800" dirty="0">
+                <a:latin typeface="Microsoft YaHei" panose="020B0503020204020204" pitchFamily="34" charset="-122"/>
+                <a:ea typeface="Microsoft YaHei" panose="020B0503020204020204" pitchFamily="34" charset="-122"/>
+              </a:rPr>
+              <a:t>在网页上，你是否为了 快速定位想要的信息而去搜索一个词是否在页面上及其位置。</a:t>
+            </a:r>
+            <a:endParaRPr kumimoji="1" lang="en-US" altLang="zh-CN" sz="2800" dirty="0">
+              <a:latin typeface="Microsoft YaHei" panose="020B0503020204020204" pitchFamily="34" charset="-122"/>
+              <a:ea typeface="Microsoft YaHei" panose="020B0503020204020204" pitchFamily="34" charset="-122"/>
+            </a:endParaRPr>
+          </a:p>
+          <a:p>
+            <a:pPr marL="342900" indent="-342900">
+              <a:buFont typeface="+mj-lt"/>
+              <a:buAutoNum type="arabicPeriod"/>
+            </a:pPr>
+            <a:endParaRPr kumimoji="1" lang="en-US" altLang="zh-CN" sz="2800" dirty="0">
+              <a:latin typeface="Microsoft YaHei" panose="020B0503020204020204" pitchFamily="34" charset="-122"/>
+              <a:ea typeface="Microsoft YaHei" panose="020B0503020204020204" pitchFamily="34" charset="-122"/>
+            </a:endParaRPr>
+          </a:p>
+          <a:p>
+            <a:r>
+              <a:rPr kumimoji="1" lang="zh-CN" altLang="en-US" sz="2800" dirty="0">
+                <a:latin typeface="Microsoft YaHei" panose="020B0503020204020204" pitchFamily="34" charset="-122"/>
+                <a:ea typeface="Microsoft YaHei" panose="020B0503020204020204" pitchFamily="34" charset="-122"/>
+              </a:rPr>
+              <a:t>这些都可以简单地抽象成  “从一个长字符串中寻找一个子串”</a:t>
+            </a:r>
+            <a:endParaRPr kumimoji="1" lang="en-US" altLang="zh-CN" sz="2800" dirty="0">
+              <a:latin typeface="Microsoft YaHei" panose="020B0503020204020204" pitchFamily="34" charset="-122"/>
+              <a:ea typeface="Microsoft YaHei" panose="020B0503020204020204" pitchFamily="34" charset="-122"/>
+            </a:endParaRPr>
+          </a:p>
+          <a:p>
+            <a:pPr marL="342900" indent="-342900">
+              <a:buFont typeface="+mj-lt"/>
+              <a:buAutoNum type="arabicPeriod"/>
+            </a:pPr>
+            <a:endParaRPr kumimoji="1" lang="zh-CN" altLang="en-US" sz="2800" dirty="0">
+              <a:latin typeface="Microsoft YaHei" panose="020B0503020204020204" pitchFamily="34" charset="-122"/>
+              <a:ea typeface="Microsoft YaHei" panose="020B0503020204020204" pitchFamily="34" charset="-122"/>
+            </a:endParaRPr>
           </a:p>
         </p:txBody>
       </p:sp>

--- a/ppt/4 串.pptx
+++ b/ppt/4 串.pptx
@@ -4056,7 +4056,28 @@
                 <a:latin typeface="Microsoft YaHei" panose="020B0503020204020204" pitchFamily="34" charset="-122"/>
                 <a:ea typeface="Microsoft YaHei" panose="020B0503020204020204" pitchFamily="34" charset="-122"/>
               </a:rPr>
-              <a:t>第六节课 串</a:t>
+              <a:t>第</a:t>
+            </a:r>
+            <a:r>
+              <a:rPr kumimoji="1" lang="en-US" altLang="zh-CN" sz="4000">
+                <a:latin typeface="Microsoft YaHei" panose="020B0503020204020204" pitchFamily="34" charset="-122"/>
+                <a:ea typeface="Microsoft YaHei" panose="020B0503020204020204" pitchFamily="34" charset="-122"/>
+              </a:rPr>
+              <a:t>6</a:t>
+            </a:r>
+            <a:r>
+              <a:rPr kumimoji="1" lang="zh-CN" altLang="en-US" sz="4000">
+                <a:latin typeface="Microsoft YaHei" panose="020B0503020204020204" pitchFamily="34" charset="-122"/>
+                <a:ea typeface="Microsoft YaHei" panose="020B0503020204020204" pitchFamily="34" charset="-122"/>
+              </a:rPr>
+              <a:t>节</a:t>
+            </a:r>
+            <a:r>
+              <a:rPr kumimoji="1" lang="zh-CN" altLang="en-US" sz="4000" dirty="0">
+                <a:latin typeface="Microsoft YaHei" panose="020B0503020204020204" pitchFamily="34" charset="-122"/>
+                <a:ea typeface="Microsoft YaHei" panose="020B0503020204020204" pitchFamily="34" charset="-122"/>
+              </a:rPr>
+              <a:t>课 串</a:t>
             </a:r>
           </a:p>
         </p:txBody>

--- a/ppt/4 串.pptx
+++ b/ppt/4 串.pptx
@@ -234,7 +234,7 @@
           <a:p>
             <a:fld id="{66C3546E-20F6-7649-A9A4-4E4A245D3E82}" type="datetimeFigureOut">
               <a:rPr kumimoji="1" lang="zh-CN" altLang="en-US" smtClean="0"/>
-              <a:t>2020/3/4</a:t>
+              <a:t>2020/4/10</a:t>
             </a:fld>
             <a:endParaRPr kumimoji="1" lang="zh-CN" altLang="en-US"/>
           </a:p>
@@ -900,7 +900,7 @@
           <a:p>
             <a:fld id="{1C49BB65-7B3F-4D4E-A397-BBFD82890A5A}" type="datetimeFigureOut">
               <a:rPr kumimoji="1" lang="zh-CN" altLang="en-US" smtClean="0"/>
-              <a:t>2020/3/4</a:t>
+              <a:t>2020/4/10</a:t>
             </a:fld>
             <a:endParaRPr kumimoji="1" lang="zh-CN" altLang="en-US"/>
           </a:p>
@@ -1098,7 +1098,7 @@
           <a:p>
             <a:fld id="{1C49BB65-7B3F-4D4E-A397-BBFD82890A5A}" type="datetimeFigureOut">
               <a:rPr kumimoji="1" lang="zh-CN" altLang="en-US" smtClean="0"/>
-              <a:t>2020/3/4</a:t>
+              <a:t>2020/4/10</a:t>
             </a:fld>
             <a:endParaRPr kumimoji="1" lang="zh-CN" altLang="en-US"/>
           </a:p>
@@ -1306,7 +1306,7 @@
           <a:p>
             <a:fld id="{1C49BB65-7B3F-4D4E-A397-BBFD82890A5A}" type="datetimeFigureOut">
               <a:rPr kumimoji="1" lang="zh-CN" altLang="en-US" smtClean="0"/>
-              <a:t>2020/3/4</a:t>
+              <a:t>2020/4/10</a:t>
             </a:fld>
             <a:endParaRPr kumimoji="1" lang="zh-CN" altLang="en-US"/>
           </a:p>
@@ -1504,7 +1504,7 @@
           <a:p>
             <a:fld id="{1C49BB65-7B3F-4D4E-A397-BBFD82890A5A}" type="datetimeFigureOut">
               <a:rPr kumimoji="1" lang="zh-CN" altLang="en-US" smtClean="0"/>
-              <a:t>2020/3/4</a:t>
+              <a:t>2020/4/10</a:t>
             </a:fld>
             <a:endParaRPr kumimoji="1" lang="zh-CN" altLang="en-US"/>
           </a:p>
@@ -1779,7 +1779,7 @@
           <a:p>
             <a:fld id="{1C49BB65-7B3F-4D4E-A397-BBFD82890A5A}" type="datetimeFigureOut">
               <a:rPr kumimoji="1" lang="zh-CN" altLang="en-US" smtClean="0"/>
-              <a:t>2020/3/4</a:t>
+              <a:t>2020/4/10</a:t>
             </a:fld>
             <a:endParaRPr kumimoji="1" lang="zh-CN" altLang="en-US"/>
           </a:p>
@@ -2044,7 +2044,7 @@
           <a:p>
             <a:fld id="{1C49BB65-7B3F-4D4E-A397-BBFD82890A5A}" type="datetimeFigureOut">
               <a:rPr kumimoji="1" lang="zh-CN" altLang="en-US" smtClean="0"/>
-              <a:t>2020/3/4</a:t>
+              <a:t>2020/4/10</a:t>
             </a:fld>
             <a:endParaRPr kumimoji="1" lang="zh-CN" altLang="en-US"/>
           </a:p>
@@ -2456,7 +2456,7 @@
           <a:p>
             <a:fld id="{1C49BB65-7B3F-4D4E-A397-BBFD82890A5A}" type="datetimeFigureOut">
               <a:rPr kumimoji="1" lang="zh-CN" altLang="en-US" smtClean="0"/>
-              <a:t>2020/3/4</a:t>
+              <a:t>2020/4/10</a:t>
             </a:fld>
             <a:endParaRPr kumimoji="1" lang="zh-CN" altLang="en-US"/>
           </a:p>
@@ -2597,7 +2597,7 @@
           <a:p>
             <a:fld id="{1C49BB65-7B3F-4D4E-A397-BBFD82890A5A}" type="datetimeFigureOut">
               <a:rPr kumimoji="1" lang="zh-CN" altLang="en-US" smtClean="0"/>
-              <a:t>2020/3/4</a:t>
+              <a:t>2020/4/10</a:t>
             </a:fld>
             <a:endParaRPr kumimoji="1" lang="zh-CN" altLang="en-US"/>
           </a:p>
@@ -2967,7 +2967,7 @@
           <a:p>
             <a:fld id="{1C49BB65-7B3F-4D4E-A397-BBFD82890A5A}" type="datetimeFigureOut">
               <a:rPr kumimoji="1" lang="zh-CN" altLang="en-US" smtClean="0"/>
-              <a:t>2020/3/4</a:t>
+              <a:t>2020/4/10</a:t>
             </a:fld>
             <a:endParaRPr kumimoji="1" lang="zh-CN" altLang="en-US"/>
           </a:p>
@@ -3255,7 +3255,7 @@
           <a:p>
             <a:fld id="{1C49BB65-7B3F-4D4E-A397-BBFD82890A5A}" type="datetimeFigureOut">
               <a:rPr kumimoji="1" lang="zh-CN" altLang="en-US" smtClean="0"/>
-              <a:t>2020/3/4</a:t>
+              <a:t>2020/4/10</a:t>
             </a:fld>
             <a:endParaRPr kumimoji="1" lang="zh-CN" altLang="en-US"/>
           </a:p>
@@ -3496,7 +3496,7 @@
           <a:p>
             <a:fld id="{1C49BB65-7B3F-4D4E-A397-BBFD82890A5A}" type="datetimeFigureOut">
               <a:rPr kumimoji="1" lang="zh-CN" altLang="en-US" smtClean="0"/>
-              <a:t>2020/3/4</a:t>
+              <a:t>2020/4/10</a:t>
             </a:fld>
             <a:endParaRPr kumimoji="1" lang="zh-CN" altLang="en-US"/>
           </a:p>
@@ -4849,7 +4849,7 @@
         <p:spPr>
           <a:xfrm>
             <a:off x="2118840" y="1550997"/>
-            <a:ext cx="8538144" cy="4833284"/>
+            <a:ext cx="8538144" cy="3903542"/>
           </a:xfrm>
           <a:prstGeom prst="rect">
             <a:avLst/>
@@ -4975,16 +4975,6 @@
                 <a:ea typeface="Microsoft YaHei" panose="020B0503020204020204" pitchFamily="34" charset="-122"/>
               </a:rPr>
               <a:t>模式匹配算法（不做教学要求）</a:t>
-            </a:r>
-            <a:endParaRPr kumimoji="1" lang="zh-CN" altLang="en-US" sz="2800" dirty="0"/>
-          </a:p>
-          <a:p>
-            <a:endParaRPr kumimoji="1" lang="en-US" altLang="zh-CN" sz="2800" dirty="0"/>
-          </a:p>
-          <a:p>
-            <a:r>
-              <a:rPr kumimoji="1" lang="en-US" altLang="zh-CN" sz="2800" dirty="0"/>
-              <a:t>	</a:t>
             </a:r>
             <a:endParaRPr kumimoji="1" lang="zh-CN" altLang="en-US" sz="2800" dirty="0"/>
           </a:p>

--- a/ppt/4 串.pptx
+++ b/ppt/4 串.pptx
@@ -234,7 +234,7 @@
           <a:p>
             <a:fld id="{66C3546E-20F6-7649-A9A4-4E4A245D3E82}" type="datetimeFigureOut">
               <a:rPr kumimoji="1" lang="zh-CN" altLang="en-US" smtClean="0"/>
-              <a:t>2020/4/10</a:t>
+              <a:t>2020/4/20</a:t>
             </a:fld>
             <a:endParaRPr kumimoji="1" lang="zh-CN" altLang="en-US"/>
           </a:p>
@@ -900,7 +900,7 @@
           <a:p>
             <a:fld id="{1C49BB65-7B3F-4D4E-A397-BBFD82890A5A}" type="datetimeFigureOut">
               <a:rPr kumimoji="1" lang="zh-CN" altLang="en-US" smtClean="0"/>
-              <a:t>2020/4/10</a:t>
+              <a:t>2020/4/20</a:t>
             </a:fld>
             <a:endParaRPr kumimoji="1" lang="zh-CN" altLang="en-US"/>
           </a:p>
@@ -1098,7 +1098,7 @@
           <a:p>
             <a:fld id="{1C49BB65-7B3F-4D4E-A397-BBFD82890A5A}" type="datetimeFigureOut">
               <a:rPr kumimoji="1" lang="zh-CN" altLang="en-US" smtClean="0"/>
-              <a:t>2020/4/10</a:t>
+              <a:t>2020/4/20</a:t>
             </a:fld>
             <a:endParaRPr kumimoji="1" lang="zh-CN" altLang="en-US"/>
           </a:p>
@@ -1306,7 +1306,7 @@
           <a:p>
             <a:fld id="{1C49BB65-7B3F-4D4E-A397-BBFD82890A5A}" type="datetimeFigureOut">
               <a:rPr kumimoji="1" lang="zh-CN" altLang="en-US" smtClean="0"/>
-              <a:t>2020/4/10</a:t>
+              <a:t>2020/4/20</a:t>
             </a:fld>
             <a:endParaRPr kumimoji="1" lang="zh-CN" altLang="en-US"/>
           </a:p>
@@ -1504,7 +1504,7 @@
           <a:p>
             <a:fld id="{1C49BB65-7B3F-4D4E-A397-BBFD82890A5A}" type="datetimeFigureOut">
               <a:rPr kumimoji="1" lang="zh-CN" altLang="en-US" smtClean="0"/>
-              <a:t>2020/4/10</a:t>
+              <a:t>2020/4/20</a:t>
             </a:fld>
             <a:endParaRPr kumimoji="1" lang="zh-CN" altLang="en-US"/>
           </a:p>
@@ -1779,7 +1779,7 @@
           <a:p>
             <a:fld id="{1C49BB65-7B3F-4D4E-A397-BBFD82890A5A}" type="datetimeFigureOut">
               <a:rPr kumimoji="1" lang="zh-CN" altLang="en-US" smtClean="0"/>
-              <a:t>2020/4/10</a:t>
+              <a:t>2020/4/20</a:t>
             </a:fld>
             <a:endParaRPr kumimoji="1" lang="zh-CN" altLang="en-US"/>
           </a:p>
@@ -2044,7 +2044,7 @@
           <a:p>
             <a:fld id="{1C49BB65-7B3F-4D4E-A397-BBFD82890A5A}" type="datetimeFigureOut">
               <a:rPr kumimoji="1" lang="zh-CN" altLang="en-US" smtClean="0"/>
-              <a:t>2020/4/10</a:t>
+              <a:t>2020/4/20</a:t>
             </a:fld>
             <a:endParaRPr kumimoji="1" lang="zh-CN" altLang="en-US"/>
           </a:p>
@@ -2456,7 +2456,7 @@
           <a:p>
             <a:fld id="{1C49BB65-7B3F-4D4E-A397-BBFD82890A5A}" type="datetimeFigureOut">
               <a:rPr kumimoji="1" lang="zh-CN" altLang="en-US" smtClean="0"/>
-              <a:t>2020/4/10</a:t>
+              <a:t>2020/4/20</a:t>
             </a:fld>
             <a:endParaRPr kumimoji="1" lang="zh-CN" altLang="en-US"/>
           </a:p>
@@ -2597,7 +2597,7 @@
           <a:p>
             <a:fld id="{1C49BB65-7B3F-4D4E-A397-BBFD82890A5A}" type="datetimeFigureOut">
               <a:rPr kumimoji="1" lang="zh-CN" altLang="en-US" smtClean="0"/>
-              <a:t>2020/4/10</a:t>
+              <a:t>2020/4/20</a:t>
             </a:fld>
             <a:endParaRPr kumimoji="1" lang="zh-CN" altLang="en-US"/>
           </a:p>
@@ -2967,7 +2967,7 @@
           <a:p>
             <a:fld id="{1C49BB65-7B3F-4D4E-A397-BBFD82890A5A}" type="datetimeFigureOut">
               <a:rPr kumimoji="1" lang="zh-CN" altLang="en-US" smtClean="0"/>
-              <a:t>2020/4/10</a:t>
+              <a:t>2020/4/20</a:t>
             </a:fld>
             <a:endParaRPr kumimoji="1" lang="zh-CN" altLang="en-US"/>
           </a:p>
@@ -3255,7 +3255,7 @@
           <a:p>
             <a:fld id="{1C49BB65-7B3F-4D4E-A397-BBFD82890A5A}" type="datetimeFigureOut">
               <a:rPr kumimoji="1" lang="zh-CN" altLang="en-US" smtClean="0"/>
-              <a:t>2020/4/10</a:t>
+              <a:t>2020/4/20</a:t>
             </a:fld>
             <a:endParaRPr kumimoji="1" lang="zh-CN" altLang="en-US"/>
           </a:p>
@@ -3496,7 +3496,7 @@
           <a:p>
             <a:fld id="{1C49BB65-7B3F-4D4E-A397-BBFD82890A5A}" type="datetimeFigureOut">
               <a:rPr kumimoji="1" lang="zh-CN" altLang="en-US" smtClean="0"/>
-              <a:t>2020/4/10</a:t>
+              <a:t>2020/4/20</a:t>
             </a:fld>
             <a:endParaRPr kumimoji="1" lang="zh-CN" altLang="en-US"/>
           </a:p>
@@ -4063,7 +4063,7 @@
                 <a:latin typeface="Microsoft YaHei" panose="020B0503020204020204" pitchFamily="34" charset="-122"/>
                 <a:ea typeface="Microsoft YaHei" panose="020B0503020204020204" pitchFamily="34" charset="-122"/>
               </a:rPr>
-              <a:t>6</a:t>
+              <a:t>5</a:t>
             </a:r>
             <a:r>
               <a:rPr kumimoji="1" lang="zh-CN" altLang="en-US" sz="4000">

--- a/ppt/4 串.pptx
+++ b/ppt/4 串.pptx
@@ -234,7 +234,7 @@
           <a:p>
             <a:fld id="{66C3546E-20F6-7649-A9A4-4E4A245D3E82}" type="datetimeFigureOut">
               <a:rPr kumimoji="1" lang="zh-CN" altLang="en-US" smtClean="0"/>
-              <a:t>2020/4/20</a:t>
+              <a:t>2020/5/28</a:t>
             </a:fld>
             <a:endParaRPr kumimoji="1" lang="zh-CN" altLang="en-US"/>
           </a:p>
@@ -900,7 +900,7 @@
           <a:p>
             <a:fld id="{1C49BB65-7B3F-4D4E-A397-BBFD82890A5A}" type="datetimeFigureOut">
               <a:rPr kumimoji="1" lang="zh-CN" altLang="en-US" smtClean="0"/>
-              <a:t>2020/4/20</a:t>
+              <a:t>2020/5/28</a:t>
             </a:fld>
             <a:endParaRPr kumimoji="1" lang="zh-CN" altLang="en-US"/>
           </a:p>
@@ -1098,7 +1098,7 @@
           <a:p>
             <a:fld id="{1C49BB65-7B3F-4D4E-A397-BBFD82890A5A}" type="datetimeFigureOut">
               <a:rPr kumimoji="1" lang="zh-CN" altLang="en-US" smtClean="0"/>
-              <a:t>2020/4/20</a:t>
+              <a:t>2020/5/28</a:t>
             </a:fld>
             <a:endParaRPr kumimoji="1" lang="zh-CN" altLang="en-US"/>
           </a:p>
@@ -1306,7 +1306,7 @@
           <a:p>
             <a:fld id="{1C49BB65-7B3F-4D4E-A397-BBFD82890A5A}" type="datetimeFigureOut">
               <a:rPr kumimoji="1" lang="zh-CN" altLang="en-US" smtClean="0"/>
-              <a:t>2020/4/20</a:t>
+              <a:t>2020/5/28</a:t>
             </a:fld>
             <a:endParaRPr kumimoji="1" lang="zh-CN" altLang="en-US"/>
           </a:p>
@@ -1504,7 +1504,7 @@
           <a:p>
             <a:fld id="{1C49BB65-7B3F-4D4E-A397-BBFD82890A5A}" type="datetimeFigureOut">
               <a:rPr kumimoji="1" lang="zh-CN" altLang="en-US" smtClean="0"/>
-              <a:t>2020/4/20</a:t>
+              <a:t>2020/5/28</a:t>
             </a:fld>
             <a:endParaRPr kumimoji="1" lang="zh-CN" altLang="en-US"/>
           </a:p>
@@ -1779,7 +1779,7 @@
           <a:p>
             <a:fld id="{1C49BB65-7B3F-4D4E-A397-BBFD82890A5A}" type="datetimeFigureOut">
               <a:rPr kumimoji="1" lang="zh-CN" altLang="en-US" smtClean="0"/>
-              <a:t>2020/4/20</a:t>
+              <a:t>2020/5/28</a:t>
             </a:fld>
             <a:endParaRPr kumimoji="1" lang="zh-CN" altLang="en-US"/>
           </a:p>
@@ -2044,7 +2044,7 @@
           <a:p>
             <a:fld id="{1C49BB65-7B3F-4D4E-A397-BBFD82890A5A}" type="datetimeFigureOut">
               <a:rPr kumimoji="1" lang="zh-CN" altLang="en-US" smtClean="0"/>
-              <a:t>2020/4/20</a:t>
+              <a:t>2020/5/28</a:t>
             </a:fld>
             <a:endParaRPr kumimoji="1" lang="zh-CN" altLang="en-US"/>
           </a:p>
@@ -2456,7 +2456,7 @@
           <a:p>
             <a:fld id="{1C49BB65-7B3F-4D4E-A397-BBFD82890A5A}" type="datetimeFigureOut">
               <a:rPr kumimoji="1" lang="zh-CN" altLang="en-US" smtClean="0"/>
-              <a:t>2020/4/20</a:t>
+              <a:t>2020/5/28</a:t>
             </a:fld>
             <a:endParaRPr kumimoji="1" lang="zh-CN" altLang="en-US"/>
           </a:p>
@@ -2597,7 +2597,7 @@
           <a:p>
             <a:fld id="{1C49BB65-7B3F-4D4E-A397-BBFD82890A5A}" type="datetimeFigureOut">
               <a:rPr kumimoji="1" lang="zh-CN" altLang="en-US" smtClean="0"/>
-              <a:t>2020/4/20</a:t>
+              <a:t>2020/5/28</a:t>
             </a:fld>
             <a:endParaRPr kumimoji="1" lang="zh-CN" altLang="en-US"/>
           </a:p>
@@ -2967,7 +2967,7 @@
           <a:p>
             <a:fld id="{1C49BB65-7B3F-4D4E-A397-BBFD82890A5A}" type="datetimeFigureOut">
               <a:rPr kumimoji="1" lang="zh-CN" altLang="en-US" smtClean="0"/>
-              <a:t>2020/4/20</a:t>
+              <a:t>2020/5/28</a:t>
             </a:fld>
             <a:endParaRPr kumimoji="1" lang="zh-CN" altLang="en-US"/>
           </a:p>
@@ -3255,7 +3255,7 @@
           <a:p>
             <a:fld id="{1C49BB65-7B3F-4D4E-A397-BBFD82890A5A}" type="datetimeFigureOut">
               <a:rPr kumimoji="1" lang="zh-CN" altLang="en-US" smtClean="0"/>
-              <a:t>2020/4/20</a:t>
+              <a:t>2020/5/28</a:t>
             </a:fld>
             <a:endParaRPr kumimoji="1" lang="zh-CN" altLang="en-US"/>
           </a:p>
@@ -3496,7 +3496,7 @@
           <a:p>
             <a:fld id="{1C49BB65-7B3F-4D4E-A397-BBFD82890A5A}" type="datetimeFigureOut">
               <a:rPr kumimoji="1" lang="zh-CN" altLang="en-US" smtClean="0"/>
-              <a:t>2020/4/20</a:t>
+              <a:t>2020/5/28</a:t>
             </a:fld>
             <a:endParaRPr kumimoji="1" lang="zh-CN" altLang="en-US"/>
           </a:p>
@@ -4063,7 +4063,7 @@
                 <a:latin typeface="Microsoft YaHei" panose="020B0503020204020204" pitchFamily="34" charset="-122"/>
                 <a:ea typeface="Microsoft YaHei" panose="020B0503020204020204" pitchFamily="34" charset="-122"/>
               </a:rPr>
-              <a:t>5</a:t>
+              <a:t>6</a:t>
             </a:r>
             <a:r>
               <a:rPr kumimoji="1" lang="zh-CN" altLang="en-US" sz="4000">
